--- a/docs/툴_화면설계서.pptx
+++ b/docs/툴_화면설계서.pptx
@@ -7,8 +7,9 @@
   <p:sldIdLst>
     <p:sldId id="256" r:id="rId2"/>
     <p:sldId id="258" r:id="rId3"/>
-    <p:sldId id="259" r:id="rId4"/>
-    <p:sldId id="257" r:id="rId5"/>
+    <p:sldId id="260" r:id="rId4"/>
+    <p:sldId id="259" r:id="rId5"/>
+    <p:sldId id="257" r:id="rId6"/>
   </p:sldIdLst>
   <p:sldSz cx="12192000" cy="6858000"/>
   <p:notesSz cx="6858000" cy="9144000"/>
@@ -274,7 +275,7 @@
             <a:fld id="{149D3A29-E90D-4C9C-B6F8-CE086B76135C}" type="datetimeFigureOut">
               <a:rPr lang="ko-KR" altLang="en-US" smtClean="0"/>
               <a:pPr/>
-              <a:t>2022-10-03</a:t>
+              <a:t>2022-11-19</a:t>
             </a:fld>
             <a:endParaRPr lang="ko-KR" altLang="en-US"/>
           </a:p>
@@ -474,7 +475,7 @@
             <a:fld id="{149D3A29-E90D-4C9C-B6F8-CE086B76135C}" type="datetimeFigureOut">
               <a:rPr lang="ko-KR" altLang="en-US" smtClean="0"/>
               <a:pPr/>
-              <a:t>2022-10-03</a:t>
+              <a:t>2022-11-19</a:t>
             </a:fld>
             <a:endParaRPr lang="ko-KR" altLang="en-US"/>
           </a:p>
@@ -684,7 +685,7 @@
             <a:fld id="{149D3A29-E90D-4C9C-B6F8-CE086B76135C}" type="datetimeFigureOut">
               <a:rPr lang="ko-KR" altLang="en-US" smtClean="0"/>
               <a:pPr/>
-              <a:t>2022-10-03</a:t>
+              <a:t>2022-11-19</a:t>
             </a:fld>
             <a:endParaRPr lang="ko-KR" altLang="en-US"/>
           </a:p>
@@ -884,7 +885,7 @@
             <a:fld id="{149D3A29-E90D-4C9C-B6F8-CE086B76135C}" type="datetimeFigureOut">
               <a:rPr lang="ko-KR" altLang="en-US" smtClean="0"/>
               <a:pPr/>
-              <a:t>2022-10-03</a:t>
+              <a:t>2022-11-19</a:t>
             </a:fld>
             <a:endParaRPr lang="ko-KR" altLang="en-US"/>
           </a:p>
@@ -1161,7 +1162,7 @@
             <a:fld id="{149D3A29-E90D-4C9C-B6F8-CE086B76135C}" type="datetimeFigureOut">
               <a:rPr lang="ko-KR" altLang="en-US" smtClean="0"/>
               <a:pPr/>
-              <a:t>2022-10-03</a:t>
+              <a:t>2022-11-19</a:t>
             </a:fld>
             <a:endParaRPr lang="ko-KR" altLang="en-US"/>
           </a:p>
@@ -1428,7 +1429,7 @@
             <a:fld id="{149D3A29-E90D-4C9C-B6F8-CE086B76135C}" type="datetimeFigureOut">
               <a:rPr lang="ko-KR" altLang="en-US" smtClean="0"/>
               <a:pPr/>
-              <a:t>2022-10-03</a:t>
+              <a:t>2022-11-19</a:t>
             </a:fld>
             <a:endParaRPr lang="ko-KR" altLang="en-US"/>
           </a:p>
@@ -1842,7 +1843,7 @@
             <a:fld id="{149D3A29-E90D-4C9C-B6F8-CE086B76135C}" type="datetimeFigureOut">
               <a:rPr lang="ko-KR" altLang="en-US" smtClean="0"/>
               <a:pPr/>
-              <a:t>2022-10-03</a:t>
+              <a:t>2022-11-19</a:t>
             </a:fld>
             <a:endParaRPr lang="ko-KR" altLang="en-US"/>
           </a:p>
@@ -1985,7 +1986,7 @@
             <a:fld id="{149D3A29-E90D-4C9C-B6F8-CE086B76135C}" type="datetimeFigureOut">
               <a:rPr lang="ko-KR" altLang="en-US" smtClean="0"/>
               <a:pPr/>
-              <a:t>2022-10-03</a:t>
+              <a:t>2022-11-19</a:t>
             </a:fld>
             <a:endParaRPr lang="ko-KR" altLang="en-US"/>
           </a:p>
@@ -2100,7 +2101,7 @@
             <a:fld id="{149D3A29-E90D-4C9C-B6F8-CE086B76135C}" type="datetimeFigureOut">
               <a:rPr lang="ko-KR" altLang="en-US" smtClean="0"/>
               <a:pPr/>
-              <a:t>2022-10-03</a:t>
+              <a:t>2022-11-19</a:t>
             </a:fld>
             <a:endParaRPr lang="ko-KR" altLang="en-US"/>
           </a:p>
@@ -2413,7 +2414,7 @@
             <a:fld id="{149D3A29-E90D-4C9C-B6F8-CE086B76135C}" type="datetimeFigureOut">
               <a:rPr lang="ko-KR" altLang="en-US" smtClean="0"/>
               <a:pPr/>
-              <a:t>2022-10-03</a:t>
+              <a:t>2022-11-19</a:t>
             </a:fld>
             <a:endParaRPr lang="ko-KR" altLang="en-US"/>
           </a:p>
@@ -2703,7 +2704,7 @@
             <a:fld id="{149D3A29-E90D-4C9C-B6F8-CE086B76135C}" type="datetimeFigureOut">
               <a:rPr lang="ko-KR" altLang="en-US" smtClean="0"/>
               <a:pPr/>
-              <a:t>2022-10-03</a:t>
+              <a:t>2022-11-19</a:t>
             </a:fld>
             <a:endParaRPr lang="ko-KR" altLang="en-US"/>
           </a:p>
@@ -2946,7 +2947,7 @@
             <a:fld id="{149D3A29-E90D-4C9C-B6F8-CE086B76135C}" type="datetimeFigureOut">
               <a:rPr lang="ko-KR" altLang="en-US" smtClean="0"/>
               <a:pPr/>
-              <a:t>2022-10-03</a:t>
+              <a:t>2022-11-19</a:t>
             </a:fld>
             <a:endParaRPr lang="ko-KR" altLang="en-US"/>
           </a:p>
@@ -5812,11 +5813,6 @@
               </a:rPr>
               <a:t>.</a:t>
             </a:r>
-            <a:endParaRPr lang="en-US" altLang="ko-KR" sz="1200" dirty="0">
-              <a:solidFill>
-                <a:schemeClr val="tx1"/>
-              </a:solidFill>
-            </a:endParaRPr>
           </a:p>
           <a:p>
             <a:r>
@@ -9824,7 +9820,7 @@
         </p:nvSpPr>
         <p:spPr>
           <a:xfrm rot="10800000">
-            <a:off x="1886497" y="6253460"/>
+            <a:off x="1890000" y="6253460"/>
             <a:ext cx="108000" cy="72000"/>
           </a:xfrm>
           <a:prstGeom prst="triangle">
@@ -9891,6 +9887,430 @@
       </p:grpSpPr>
       <p:sp>
         <p:nvSpPr>
+          <p:cNvPr id="159" name="직사각형 158">
+            <a:extLst>
+              <a:ext uri="{FF2B5EF4-FFF2-40B4-BE49-F238E27FC236}">
+                <a16:creationId xmlns:a16="http://schemas.microsoft.com/office/drawing/2014/main" id="{7E3F48DE-CDF0-4CA9-9D5B-833DCF00C9C0}"/>
+              </a:ext>
+            </a:extLst>
+          </p:cNvPr>
+          <p:cNvSpPr/>
+          <p:nvPr/>
+        </p:nvSpPr>
+        <p:spPr>
+          <a:xfrm>
+            <a:off x="432000" y="1151999"/>
+            <a:ext cx="7776000" cy="5183999"/>
+          </a:xfrm>
+          <a:prstGeom prst="rect">
+            <a:avLst/>
+          </a:prstGeom>
+          <a:noFill/>
+          <a:ln>
+            <a:noFill/>
+          </a:ln>
+        </p:spPr>
+        <p:style>
+          <a:lnRef idx="2">
+            <a:schemeClr val="accent1">
+              <a:shade val="50000"/>
+            </a:schemeClr>
+          </a:lnRef>
+          <a:fillRef idx="1">
+            <a:schemeClr val="accent1"/>
+          </a:fillRef>
+          <a:effectRef idx="0">
+            <a:schemeClr val="accent1"/>
+          </a:effectRef>
+          <a:fontRef idx="minor">
+            <a:schemeClr val="lt1"/>
+          </a:fontRef>
+        </p:style>
+        <p:txBody>
+          <a:bodyPr wrap="square" rtlCol="0" anchor="t">
+            <a:noAutofit/>
+          </a:bodyPr>
+          <a:lstStyle/>
+          <a:p>
+            <a:endParaRPr lang="en-US" altLang="ko-KR" sz="1400" b="1" dirty="0" smtClean="0">
+              <a:solidFill>
+                <a:schemeClr val="tx1"/>
+              </a:solidFill>
+            </a:endParaRPr>
+          </a:p>
+          <a:p>
+            <a:endParaRPr lang="en-US" altLang="ko-KR" sz="1400" b="1" dirty="0" smtClean="0">
+              <a:solidFill>
+                <a:schemeClr val="tx1"/>
+              </a:solidFill>
+            </a:endParaRPr>
+          </a:p>
+          <a:p>
+            <a:endParaRPr lang="en-US" altLang="ko-KR" sz="1400" b="1" dirty="0" smtClean="0">
+              <a:solidFill>
+                <a:schemeClr val="tx1"/>
+              </a:solidFill>
+            </a:endParaRPr>
+          </a:p>
+          <a:p>
+            <a:r>
+              <a:rPr lang="en-US" altLang="ko-KR" sz="1400" b="1" strike="sngStrike" dirty="0" smtClean="0">
+                <a:solidFill>
+                  <a:schemeClr val="tx1"/>
+                </a:solidFill>
+              </a:rPr>
+              <a:t>Color Picker</a:t>
+            </a:r>
+          </a:p>
+          <a:p>
+            <a:endParaRPr lang="en-US" altLang="ko-KR" sz="1400" b="1" dirty="0" smtClean="0">
+              <a:solidFill>
+                <a:schemeClr val="tx1"/>
+              </a:solidFill>
+            </a:endParaRPr>
+          </a:p>
+          <a:p>
+            <a:r>
+              <a:rPr lang="en-US" altLang="ko-KR" sz="1400" b="1" dirty="0" smtClean="0">
+                <a:solidFill>
+                  <a:schemeClr val="tx1"/>
+                </a:solidFill>
+              </a:rPr>
+              <a:t>Date Calculator</a:t>
+            </a:r>
+          </a:p>
+          <a:p>
+            <a:endParaRPr lang="en-US" altLang="ko-KR" sz="1400" b="1" dirty="0" smtClean="0">
+              <a:solidFill>
+                <a:schemeClr val="tx1"/>
+              </a:solidFill>
+            </a:endParaRPr>
+          </a:p>
+          <a:p>
+            <a:r>
+              <a:rPr lang="en-US" altLang="ko-KR" sz="1400" b="1" dirty="0" err="1" smtClean="0">
+                <a:solidFill>
+                  <a:schemeClr val="tx1"/>
+                </a:solidFill>
+              </a:rPr>
+              <a:t>Json</a:t>
+            </a:r>
+            <a:r>
+              <a:rPr lang="en-US" altLang="ko-KR" sz="1400" b="1" dirty="0" smtClean="0">
+                <a:solidFill>
+                  <a:schemeClr val="tx1"/>
+                </a:solidFill>
+              </a:rPr>
+              <a:t> Beautifier</a:t>
+            </a:r>
+          </a:p>
+          <a:p>
+            <a:endParaRPr lang="en-US" altLang="ko-KR" sz="1400" b="1" dirty="0">
+              <a:solidFill>
+                <a:schemeClr val="tx1"/>
+              </a:solidFill>
+            </a:endParaRPr>
+          </a:p>
+          <a:p>
+            <a:r>
+              <a:rPr lang="en-US" altLang="ko-KR" sz="1400" b="1" dirty="0" smtClean="0">
+                <a:solidFill>
+                  <a:schemeClr val="tx1"/>
+                </a:solidFill>
+              </a:rPr>
+              <a:t>Tool1</a:t>
+            </a:r>
+          </a:p>
+          <a:p>
+            <a:r>
+              <a:rPr lang="en-US" altLang="ko-KR" sz="1400" b="1" dirty="0" smtClean="0">
+                <a:solidFill>
+                  <a:schemeClr val="tx1"/>
+                </a:solidFill>
+              </a:rPr>
+              <a:t>Tool2</a:t>
+            </a:r>
+          </a:p>
+          <a:p>
+            <a:r>
+              <a:rPr lang="en-US" altLang="ko-KR" sz="1400" b="1" dirty="0" smtClean="0">
+                <a:solidFill>
+                  <a:schemeClr val="tx1"/>
+                </a:solidFill>
+              </a:rPr>
+              <a:t>Tool3</a:t>
+            </a:r>
+          </a:p>
+          <a:p>
+            <a:r>
+              <a:rPr lang="en-US" altLang="ko-KR" sz="1400" b="1" dirty="0" smtClean="0">
+                <a:solidFill>
+                  <a:schemeClr val="tx1"/>
+                </a:solidFill>
+              </a:rPr>
+              <a:t>…</a:t>
+            </a:r>
+            <a:endParaRPr lang="en-US" altLang="ko-KR" sz="1400" b="1" dirty="0">
+              <a:solidFill>
+                <a:schemeClr val="tx1"/>
+              </a:solidFill>
+            </a:endParaRPr>
+          </a:p>
+          <a:p>
+            <a:endParaRPr lang="en-US" altLang="ko-KR" sz="1400" b="1" dirty="0">
+              <a:solidFill>
+                <a:schemeClr val="tx1"/>
+              </a:solidFill>
+            </a:endParaRPr>
+          </a:p>
+        </p:txBody>
+      </p:sp>
+      <p:sp>
+        <p:nvSpPr>
+          <p:cNvPr id="160" name="직사각형 159">
+            <a:extLst>
+              <a:ext uri="{FF2B5EF4-FFF2-40B4-BE49-F238E27FC236}">
+                <a16:creationId xmlns:a16="http://schemas.microsoft.com/office/drawing/2014/main" id="{61525ABC-9B6B-4B6B-8850-CDDB4D9840AC}"/>
+              </a:ext>
+            </a:extLst>
+          </p:cNvPr>
+          <p:cNvSpPr/>
+          <p:nvPr/>
+        </p:nvSpPr>
+        <p:spPr>
+          <a:xfrm>
+            <a:off x="358045" y="1439994"/>
+            <a:ext cx="1512001" cy="216000"/>
+          </a:xfrm>
+          <a:prstGeom prst="rect">
+            <a:avLst/>
+          </a:prstGeom>
+          <a:noFill/>
+          <a:ln w="6350">
+            <a:noFill/>
+          </a:ln>
+        </p:spPr>
+        <p:style>
+          <a:lnRef idx="2">
+            <a:schemeClr val="accent1">
+              <a:shade val="50000"/>
+            </a:schemeClr>
+          </a:lnRef>
+          <a:fillRef idx="1">
+            <a:schemeClr val="accent1"/>
+          </a:fillRef>
+          <a:effectRef idx="0">
+            <a:schemeClr val="accent1"/>
+          </a:effectRef>
+          <a:fontRef idx="minor">
+            <a:schemeClr val="lt1"/>
+          </a:fontRef>
+        </p:style>
+        <p:txBody>
+          <a:bodyPr rtlCol="0" anchor="ctr"/>
+          <a:lstStyle/>
+          <a:p>
+            <a:r>
+              <a:rPr lang="en-US" altLang="ko-KR" sz="800" dirty="0" smtClean="0">
+                <a:solidFill>
+                  <a:schemeClr val="tx1"/>
+                </a:solidFill>
+              </a:rPr>
+              <a:t>Color</a:t>
+            </a:r>
+            <a:endParaRPr lang="ko-KR" altLang="en-US" sz="800" dirty="0">
+              <a:solidFill>
+                <a:schemeClr val="tx1"/>
+              </a:solidFill>
+            </a:endParaRPr>
+          </a:p>
+        </p:txBody>
+      </p:sp>
+      <p:sp>
+        <p:nvSpPr>
+          <p:cNvPr id="161" name="직사각형 160">
+            <a:extLst>
+              <a:ext uri="{FF2B5EF4-FFF2-40B4-BE49-F238E27FC236}">
+                <a16:creationId xmlns:a16="http://schemas.microsoft.com/office/drawing/2014/main" id="{61525ABC-9B6B-4B6B-8850-CDDB4D9840AC}"/>
+              </a:ext>
+            </a:extLst>
+          </p:cNvPr>
+          <p:cNvSpPr/>
+          <p:nvPr/>
+        </p:nvSpPr>
+        <p:spPr>
+          <a:xfrm>
+            <a:off x="358045" y="2480505"/>
+            <a:ext cx="1512001" cy="216000"/>
+          </a:xfrm>
+          <a:prstGeom prst="rect">
+            <a:avLst/>
+          </a:prstGeom>
+          <a:noFill/>
+          <a:ln w="6350">
+            <a:noFill/>
+          </a:ln>
+        </p:spPr>
+        <p:style>
+          <a:lnRef idx="2">
+            <a:schemeClr val="accent1">
+              <a:shade val="50000"/>
+            </a:schemeClr>
+          </a:lnRef>
+          <a:fillRef idx="1">
+            <a:schemeClr val="accent1"/>
+          </a:fillRef>
+          <a:effectRef idx="0">
+            <a:schemeClr val="accent1"/>
+          </a:effectRef>
+          <a:fontRef idx="minor">
+            <a:schemeClr val="lt1"/>
+          </a:fontRef>
+        </p:style>
+        <p:txBody>
+          <a:bodyPr rtlCol="0" anchor="ctr"/>
+          <a:lstStyle/>
+          <a:p>
+            <a:r>
+              <a:rPr lang="en-US" altLang="ko-KR" sz="800" dirty="0" smtClean="0">
+                <a:solidFill>
+                  <a:schemeClr val="tx1"/>
+                </a:solidFill>
+              </a:rPr>
+              <a:t>Beautifier</a:t>
+            </a:r>
+            <a:endParaRPr lang="ko-KR" altLang="en-US" sz="800" dirty="0">
+              <a:solidFill>
+                <a:schemeClr val="tx1"/>
+              </a:solidFill>
+            </a:endParaRPr>
+          </a:p>
+        </p:txBody>
+      </p:sp>
+      <p:sp>
+        <p:nvSpPr>
+          <p:cNvPr id="162" name="직사각형 161">
+            <a:extLst>
+              <a:ext uri="{FF2B5EF4-FFF2-40B4-BE49-F238E27FC236}">
+                <a16:creationId xmlns:a16="http://schemas.microsoft.com/office/drawing/2014/main" id="{61525ABC-9B6B-4B6B-8850-CDDB4D9840AC}"/>
+              </a:ext>
+            </a:extLst>
+          </p:cNvPr>
+          <p:cNvSpPr/>
+          <p:nvPr/>
+        </p:nvSpPr>
+        <p:spPr>
+          <a:xfrm>
+            <a:off x="358045" y="2057862"/>
+            <a:ext cx="1512001" cy="216000"/>
+          </a:xfrm>
+          <a:prstGeom prst="rect">
+            <a:avLst/>
+          </a:prstGeom>
+          <a:noFill/>
+          <a:ln w="6350">
+            <a:noFill/>
+          </a:ln>
+        </p:spPr>
+        <p:style>
+          <a:lnRef idx="2">
+            <a:schemeClr val="accent1">
+              <a:shade val="50000"/>
+            </a:schemeClr>
+          </a:lnRef>
+          <a:fillRef idx="1">
+            <a:schemeClr val="accent1"/>
+          </a:fillRef>
+          <a:effectRef idx="0">
+            <a:schemeClr val="accent1"/>
+          </a:effectRef>
+          <a:fontRef idx="minor">
+            <a:schemeClr val="lt1"/>
+          </a:fontRef>
+        </p:style>
+        <p:txBody>
+          <a:bodyPr rtlCol="0" anchor="ctr"/>
+          <a:lstStyle/>
+          <a:p>
+            <a:r>
+              <a:rPr lang="en-US" altLang="ko-KR" sz="800" dirty="0" smtClean="0">
+                <a:solidFill>
+                  <a:schemeClr val="tx1"/>
+                </a:solidFill>
+              </a:rPr>
+              <a:t>Calculator</a:t>
+            </a:r>
+            <a:endParaRPr lang="ko-KR" altLang="en-US" sz="800" dirty="0">
+              <a:solidFill>
+                <a:schemeClr val="tx1"/>
+              </a:solidFill>
+            </a:endParaRPr>
+          </a:p>
+        </p:txBody>
+      </p:sp>
+      <p:sp>
+        <p:nvSpPr>
+          <p:cNvPr id="163" name="직사각형 162">
+            <a:extLst>
+              <a:ext uri="{FF2B5EF4-FFF2-40B4-BE49-F238E27FC236}">
+                <a16:creationId xmlns:a16="http://schemas.microsoft.com/office/drawing/2014/main" id="{61525ABC-9B6B-4B6B-8850-CDDB4D9840AC}"/>
+              </a:ext>
+            </a:extLst>
+          </p:cNvPr>
+          <p:cNvSpPr/>
+          <p:nvPr/>
+        </p:nvSpPr>
+        <p:spPr>
+          <a:xfrm>
+            <a:off x="358045" y="2915997"/>
+            <a:ext cx="1512001" cy="216000"/>
+          </a:xfrm>
+          <a:prstGeom prst="rect">
+            <a:avLst/>
+          </a:prstGeom>
+          <a:noFill/>
+          <a:ln w="6350">
+            <a:noFill/>
+          </a:ln>
+        </p:spPr>
+        <p:style>
+          <a:lnRef idx="2">
+            <a:schemeClr val="accent1">
+              <a:shade val="50000"/>
+            </a:schemeClr>
+          </a:lnRef>
+          <a:fillRef idx="1">
+            <a:schemeClr val="accent1"/>
+          </a:fillRef>
+          <a:effectRef idx="0">
+            <a:schemeClr val="accent1"/>
+          </a:effectRef>
+          <a:fontRef idx="minor">
+            <a:schemeClr val="lt1"/>
+          </a:fontRef>
+        </p:style>
+        <p:txBody>
+          <a:bodyPr rtlCol="0" anchor="ctr"/>
+          <a:lstStyle/>
+          <a:p>
+            <a:r>
+              <a:rPr lang="en-US" altLang="ko-KR" sz="800" dirty="0" smtClean="0">
+                <a:solidFill>
+                  <a:schemeClr val="tx1"/>
+                </a:solidFill>
+              </a:rPr>
+              <a:t>Category</a:t>
+            </a:r>
+            <a:endParaRPr lang="ko-KR" altLang="en-US" sz="800" dirty="0">
+              <a:solidFill>
+                <a:schemeClr val="tx1"/>
+              </a:solidFill>
+            </a:endParaRPr>
+          </a:p>
+        </p:txBody>
+      </p:sp>
+      <p:sp>
+        <p:nvSpPr>
           <p:cNvPr id="19" name="TextBox 18">
             <a:extLst>
               <a:ext uri="{FF2B5EF4-FFF2-40B4-BE49-F238E27FC236}">
@@ -10391,19 +10811,30 @@
               </a:rPr>
               <a:t>- </a:t>
             </a:r>
-            <a:endParaRPr lang="en-US" altLang="ko-KR" sz="1200" dirty="0">
-              <a:solidFill>
-                <a:schemeClr val="tx1"/>
-              </a:solidFill>
-            </a:endParaRPr>
-          </a:p>
-          <a:p>
+            <a:r>
+              <a:rPr lang="ko-KR" altLang="en-US" sz="1200" dirty="0">
+                <a:solidFill>
+                  <a:schemeClr val="tx1"/>
+                </a:solidFill>
+              </a:rPr>
+              <a:t>다양한 툴들을 만들어 봅니다</a:t>
+            </a:r>
             <a:r>
               <a:rPr lang="en-US" altLang="ko-KR" sz="1200" dirty="0">
                 <a:solidFill>
                   <a:schemeClr val="tx1"/>
                 </a:solidFill>
               </a:rPr>
+              <a:t>.</a:t>
+            </a:r>
+          </a:p>
+          <a:p>
+            <a:r>
+              <a:rPr lang="en-US" altLang="ko-KR" sz="1200" dirty="0">
+                <a:solidFill>
+                  <a:schemeClr val="tx1"/>
+                </a:solidFill>
+              </a:rPr>
               <a:t>- </a:t>
             </a:r>
             <a:endParaRPr lang="en-US" altLang="ko-KR" sz="1200" dirty="0" smtClean="0">
@@ -10421,11 +10852,6 @@
               </a:rPr>
               <a:t>1. </a:t>
             </a:r>
-            <a:endParaRPr lang="en-US" altLang="ko-KR" sz="1200" dirty="0" smtClean="0">
-              <a:solidFill>
-                <a:schemeClr val="tx1"/>
-              </a:solidFill>
-            </a:endParaRPr>
           </a:p>
           <a:p>
             <a:r>
@@ -10434,6 +10860,16 @@
                   <a:schemeClr val="tx1"/>
                 </a:solidFill>
               </a:rPr>
+              <a:t>HEX, RGBA, HSLA, HWBA</a:t>
+            </a:r>
+          </a:p>
+          <a:p>
+            <a:r>
+              <a:rPr lang="en-US" altLang="ko-KR" sz="1200" dirty="0" smtClean="0">
+                <a:solidFill>
+                  <a:schemeClr val="tx1"/>
+                </a:solidFill>
+              </a:rPr>
               <a:t>2. </a:t>
             </a:r>
           </a:p>
@@ -10445,26 +10881,6 @@
                 </a:solidFill>
               </a:rPr>
               <a:t>3. </a:t>
-            </a:r>
-          </a:p>
-          <a:p>
-            <a:r>
-              <a:rPr lang="en-US" altLang="ko-KR" sz="1200" dirty="0" smtClean="0">
-                <a:solidFill>
-                  <a:schemeClr val="tx1"/>
-                </a:solidFill>
-              </a:rPr>
-              <a:t>4. </a:t>
-            </a:r>
-          </a:p>
-          <a:p>
-            <a:r>
-              <a:rPr lang="en-US" altLang="ko-KR" sz="1200" dirty="0" smtClean="0">
-                <a:solidFill>
-                  <a:schemeClr val="tx1"/>
-                </a:solidFill>
-              </a:rPr>
-              <a:t>5. </a:t>
             </a:r>
             <a:endParaRPr lang="en-US" altLang="ko-KR" sz="1200" dirty="0">
               <a:solidFill>
@@ -11100,10 +11516,10 @@
       </p:cxnSp>
       <p:sp>
         <p:nvSpPr>
-          <p:cNvPr id="38" name="직사각형 37">
-            <a:extLst>
-              <a:ext uri="{FF2B5EF4-FFF2-40B4-BE49-F238E27FC236}">
-                <a16:creationId xmlns:a16="http://schemas.microsoft.com/office/drawing/2014/main" id="{7E3F48DE-CDF0-4CA9-9D5B-833DCF00C9C0}"/>
+          <p:cNvPr id="40" name="직사각형 39">
+            <a:extLst>
+              <a:ext uri="{FF2B5EF4-FFF2-40B4-BE49-F238E27FC236}">
+                <a16:creationId xmlns:a16="http://schemas.microsoft.com/office/drawing/2014/main" id="{61525ABC-9B6B-4B6B-8850-CDDB4D9840AC}"/>
               </a:ext>
             </a:extLst>
           </p:cNvPr>
@@ -11112,16 +11528,16 @@
         </p:nvSpPr>
         <p:spPr>
           <a:xfrm>
-            <a:off x="432000" y="1151999"/>
-            <a:ext cx="7776000" cy="5183999"/>
+            <a:off x="1872000" y="1152000"/>
+            <a:ext cx="144000" cy="5183998"/>
           </a:xfrm>
           <a:prstGeom prst="rect">
             <a:avLst/>
           </a:prstGeom>
-          <a:noFill/>
-          <a:ln>
-            <a:noFill/>
-          </a:ln>
+          <a:solidFill>
+            <a:schemeClr val="bg1"/>
+          </a:solidFill>
+          <a:ln w="6350"/>
         </p:spPr>
         <p:style>
           <a:lnRef idx="2">
@@ -11140,127 +11556,17 @@
           </a:fontRef>
         </p:style>
         <p:txBody>
-          <a:bodyPr wrap="square" rtlCol="0" anchor="t">
-            <a:noAutofit/>
-          </a:bodyPr>
-          <a:lstStyle/>
-          <a:p>
-            <a:endParaRPr lang="en-US" altLang="ko-KR" sz="1400" b="1" dirty="0" smtClean="0">
-              <a:solidFill>
-                <a:schemeClr val="tx1"/>
-              </a:solidFill>
-            </a:endParaRPr>
-          </a:p>
-          <a:p>
-            <a:endParaRPr lang="en-US" altLang="ko-KR" sz="1400" b="1" dirty="0" smtClean="0">
-              <a:solidFill>
-                <a:schemeClr val="tx1"/>
-              </a:solidFill>
-            </a:endParaRPr>
-          </a:p>
-          <a:p>
-            <a:r>
-              <a:rPr lang="en-US" altLang="ko-KR" sz="1400" b="1" dirty="0" smtClean="0">
-                <a:solidFill>
-                  <a:schemeClr val="tx1"/>
-                </a:solidFill>
-              </a:rPr>
-              <a:t>Color Converter</a:t>
-            </a:r>
-          </a:p>
-          <a:p>
-            <a:r>
-              <a:rPr lang="en-US" altLang="ko-KR" sz="1400" b="1" strike="sngStrike" dirty="0" smtClean="0">
-                <a:solidFill>
-                  <a:schemeClr val="tx1"/>
-                </a:solidFill>
-              </a:rPr>
-              <a:t>Color Picker</a:t>
-            </a:r>
-          </a:p>
-          <a:p>
-            <a:endParaRPr lang="en-US" altLang="ko-KR" sz="1400" b="1" dirty="0" smtClean="0">
-              <a:solidFill>
-                <a:schemeClr val="tx1"/>
-              </a:solidFill>
-            </a:endParaRPr>
-          </a:p>
-          <a:p>
-            <a:endParaRPr lang="en-US" altLang="ko-KR" sz="1400" b="1" strike="sngStrike" dirty="0" smtClean="0">
-              <a:solidFill>
-                <a:schemeClr val="tx1"/>
-              </a:solidFill>
-            </a:endParaRPr>
-          </a:p>
-          <a:p>
-            <a:endParaRPr lang="en-US" altLang="ko-KR" sz="1400" b="1" dirty="0" smtClean="0">
-              <a:solidFill>
-                <a:schemeClr val="tx1"/>
-              </a:solidFill>
-            </a:endParaRPr>
-          </a:p>
-          <a:p>
-            <a:r>
-              <a:rPr lang="en-US" altLang="ko-KR" sz="1400" b="1" dirty="0" err="1" smtClean="0">
-                <a:solidFill>
-                  <a:schemeClr val="tx1"/>
-                </a:solidFill>
-              </a:rPr>
-              <a:t>Json</a:t>
-            </a:r>
-            <a:r>
-              <a:rPr lang="en-US" altLang="ko-KR" sz="1400" b="1" dirty="0" smtClean="0">
-                <a:solidFill>
-                  <a:schemeClr val="tx1"/>
-                </a:solidFill>
-              </a:rPr>
-              <a:t> Beautifier</a:t>
-            </a:r>
-          </a:p>
-          <a:p>
-            <a:endParaRPr lang="en-US" altLang="ko-KR" sz="1400" b="1" dirty="0">
-              <a:solidFill>
-                <a:schemeClr val="tx1"/>
-              </a:solidFill>
-            </a:endParaRPr>
-          </a:p>
-          <a:p>
-            <a:r>
-              <a:rPr lang="en-US" altLang="ko-KR" sz="1400" b="1" dirty="0" smtClean="0">
-                <a:solidFill>
-                  <a:schemeClr val="tx1"/>
-                </a:solidFill>
-              </a:rPr>
-              <a:t>Tool</a:t>
-            </a:r>
-          </a:p>
-          <a:p>
-            <a:r>
-              <a:rPr lang="en-US" altLang="ko-KR" sz="1400" b="1" dirty="0" smtClean="0">
-                <a:solidFill>
-                  <a:schemeClr val="tx1"/>
-                </a:solidFill>
-              </a:rPr>
-              <a:t>…</a:t>
-            </a:r>
-            <a:endParaRPr lang="en-US" altLang="ko-KR" sz="1400" b="1" dirty="0">
-              <a:solidFill>
-                <a:schemeClr val="tx1"/>
-              </a:solidFill>
-            </a:endParaRPr>
-          </a:p>
-          <a:p>
-            <a:endParaRPr lang="en-US" altLang="ko-KR" sz="1400" b="1" dirty="0">
-              <a:solidFill>
-                <a:schemeClr val="tx1"/>
-              </a:solidFill>
-            </a:endParaRPr>
-          </a:p>
-        </p:txBody>
-      </p:sp>
-      <p:sp>
-        <p:nvSpPr>
-          <p:cNvPr id="40" name="직사각형 39">
+          <a:bodyPr rtlCol="0" anchor="ctr"/>
+          <a:lstStyle/>
+          <a:p>
+            <a:pPr algn="ctr"/>
+            <a:endParaRPr lang="ko-KR" altLang="en-US"/>
+          </a:p>
+        </p:txBody>
+      </p:sp>
+      <p:sp>
+        <p:nvSpPr>
+          <p:cNvPr id="41" name="직사각형 40">
             <a:extLst>
               <a:ext uri="{FF2B5EF4-FFF2-40B4-BE49-F238E27FC236}">
                 <a16:creationId xmlns:a16="http://schemas.microsoft.com/office/drawing/2014/main" id="{61525ABC-9B6B-4B6B-8850-CDDB4D9840AC}"/>
@@ -11272,15 +11578,13 @@
         </p:nvSpPr>
         <p:spPr>
           <a:xfrm>
-            <a:off x="1872000" y="1152000"/>
-            <a:ext cx="144000" cy="5183998"/>
+            <a:off x="358045" y="1151998"/>
+            <a:ext cx="1512001" cy="288000"/>
           </a:xfrm>
           <a:prstGeom prst="rect">
             <a:avLst/>
           </a:prstGeom>
-          <a:solidFill>
-            <a:schemeClr val="bg1"/>
-          </a:solidFill>
+          <a:noFill/>
           <a:ln w="6350"/>
         </p:spPr>
         <p:style>
@@ -11303,14 +11607,25 @@
           <a:bodyPr rtlCol="0" anchor="ctr"/>
           <a:lstStyle/>
           <a:p>
-            <a:pPr algn="ctr"/>
-            <a:endParaRPr lang="ko-KR" altLang="en-US"/>
-          </a:p>
-        </p:txBody>
-      </p:sp>
-      <p:sp>
-        <p:nvSpPr>
-          <p:cNvPr id="41" name="직사각형 40">
+            <a:r>
+              <a:rPr lang="ko-KR" altLang="en-US" sz="800" dirty="0" smtClean="0">
+                <a:solidFill>
+                  <a:schemeClr val="tx1"/>
+                </a:solidFill>
+              </a:rPr>
+              <a:t>검색어가 들어갑니다</a:t>
+            </a:r>
+            <a:endParaRPr lang="ko-KR" altLang="en-US" sz="800" dirty="0">
+              <a:solidFill>
+                <a:schemeClr val="tx1"/>
+              </a:solidFill>
+            </a:endParaRPr>
+          </a:p>
+        </p:txBody>
+      </p:sp>
+      <p:sp>
+        <p:nvSpPr>
+          <p:cNvPr id="133" name="직사각형 132">
             <a:extLst>
               <a:ext uri="{FF2B5EF4-FFF2-40B4-BE49-F238E27FC236}">
                 <a16:creationId xmlns:a16="http://schemas.microsoft.com/office/drawing/2014/main" id="{61525ABC-9B6B-4B6B-8850-CDDB4D9840AC}"/>
@@ -11322,14 +11637,16 @@
         </p:nvSpPr>
         <p:spPr>
           <a:xfrm>
-            <a:off x="358045" y="1151998"/>
-            <a:ext cx="1512001" cy="288000"/>
+            <a:off x="2124001" y="3924870"/>
+            <a:ext cx="1440000" cy="144000"/>
           </a:xfrm>
           <a:prstGeom prst="rect">
             <a:avLst/>
           </a:prstGeom>
           <a:noFill/>
-          <a:ln w="6350"/>
+          <a:ln w="6350">
+            <a:noFill/>
+          </a:ln>
         </p:spPr>
         <p:style>
           <a:lnRef idx="2">
@@ -11348,16 +11665,144 @@
           </a:fontRef>
         </p:style>
         <p:txBody>
+          <a:bodyPr lIns="0" rtlCol="0" anchor="ctr"/>
+          <a:lstStyle/>
+          <a:p>
+            <a:r>
+              <a:rPr lang="en-US" altLang="ko-KR" sz="800" dirty="0" smtClean="0">
+                <a:solidFill>
+                  <a:schemeClr val="tx1"/>
+                </a:solidFill>
+              </a:rPr>
+              <a:t>name, hex, </a:t>
+            </a:r>
+            <a:r>
+              <a:rPr lang="en-US" altLang="ko-KR" sz="800" dirty="0" err="1" smtClean="0">
+                <a:solidFill>
+                  <a:schemeClr val="tx1"/>
+                </a:solidFill>
+              </a:rPr>
+              <a:t>rgb</a:t>
+            </a:r>
+            <a:endParaRPr lang="ko-KR" altLang="en-US" sz="800" dirty="0">
+              <a:solidFill>
+                <a:schemeClr val="tx1"/>
+              </a:solidFill>
+            </a:endParaRPr>
+          </a:p>
+        </p:txBody>
+      </p:sp>
+      <p:sp>
+        <p:nvSpPr>
+          <p:cNvPr id="135" name="직사각형 134">
+            <a:extLst>
+              <a:ext uri="{FF2B5EF4-FFF2-40B4-BE49-F238E27FC236}">
+                <a16:creationId xmlns:a16="http://schemas.microsoft.com/office/drawing/2014/main" id="{61525ABC-9B6B-4B6B-8850-CDDB4D9840AC}"/>
+              </a:ext>
+            </a:extLst>
+          </p:cNvPr>
+          <p:cNvSpPr/>
+          <p:nvPr/>
+        </p:nvSpPr>
+        <p:spPr>
+          <a:xfrm>
+            <a:off x="2124000" y="4371967"/>
+            <a:ext cx="432000" cy="216000"/>
+          </a:xfrm>
+          <a:prstGeom prst="rect">
+            <a:avLst/>
+          </a:prstGeom>
+          <a:noFill/>
+          <a:ln w="6350">
+            <a:noFill/>
+          </a:ln>
+        </p:spPr>
+        <p:style>
+          <a:lnRef idx="2">
+            <a:schemeClr val="accent1">
+              <a:shade val="50000"/>
+            </a:schemeClr>
+          </a:lnRef>
+          <a:fillRef idx="1">
+            <a:schemeClr val="accent1"/>
+          </a:fillRef>
+          <a:effectRef idx="0">
+            <a:schemeClr val="accent1"/>
+          </a:effectRef>
+          <a:fontRef idx="minor">
+            <a:schemeClr val="lt1"/>
+          </a:fontRef>
+        </p:style>
+        <p:txBody>
+          <a:bodyPr lIns="0" rtlCol="0" anchor="ctr"/>
+          <a:lstStyle/>
+          <a:p>
+            <a:r>
+              <a:rPr lang="en-US" altLang="ko-KR" sz="800" dirty="0" smtClean="0">
+                <a:solidFill>
+                  <a:schemeClr val="tx1"/>
+                </a:solidFill>
+              </a:rPr>
+              <a:t>Name</a:t>
+            </a:r>
+            <a:endParaRPr lang="ko-KR" altLang="en-US" sz="800" dirty="0">
+              <a:solidFill>
+                <a:schemeClr val="tx1"/>
+              </a:solidFill>
+            </a:endParaRPr>
+          </a:p>
+        </p:txBody>
+      </p:sp>
+      <p:sp>
+        <p:nvSpPr>
+          <p:cNvPr id="136" name="직사각형 135">
+            <a:extLst>
+              <a:ext uri="{FF2B5EF4-FFF2-40B4-BE49-F238E27FC236}">
+                <a16:creationId xmlns:a16="http://schemas.microsoft.com/office/drawing/2014/main" id="{61525ABC-9B6B-4B6B-8850-CDDB4D9840AC}"/>
+              </a:ext>
+            </a:extLst>
+          </p:cNvPr>
+          <p:cNvSpPr/>
+          <p:nvPr/>
+        </p:nvSpPr>
+        <p:spPr>
+          <a:xfrm>
+            <a:off x="2549539" y="4371967"/>
+            <a:ext cx="1440000" cy="216000"/>
+          </a:xfrm>
+          <a:prstGeom prst="rect">
+            <a:avLst/>
+          </a:prstGeom>
+          <a:noFill/>
+          <a:ln w="6350"/>
+        </p:spPr>
+        <p:style>
+          <a:lnRef idx="2">
+            <a:schemeClr val="accent1">
+              <a:shade val="50000"/>
+            </a:schemeClr>
+          </a:lnRef>
+          <a:fillRef idx="1">
+            <a:schemeClr val="accent1"/>
+          </a:fillRef>
+          <a:effectRef idx="0">
+            <a:schemeClr val="accent1"/>
+          </a:effectRef>
+          <a:fontRef idx="minor">
+            <a:schemeClr val="lt1"/>
+          </a:fontRef>
+        </p:style>
+        <p:txBody>
           <a:bodyPr rtlCol="0" anchor="ctr"/>
           <a:lstStyle/>
           <a:p>
             <a:r>
-              <a:rPr lang="ko-KR" altLang="en-US" sz="800" dirty="0" smtClean="0">
-                <a:solidFill>
-                  <a:schemeClr val="tx1"/>
-                </a:solidFill>
-              </a:rPr>
-              <a:t>검색어가 들어갑니다</a:t>
+              <a:rPr lang="en-US" altLang="ko-KR" sz="800" dirty="0" smtClean="0">
+                <a:solidFill>
+                  <a:schemeClr val="tx1"/>
+                </a:solidFill>
+              </a:rPr>
+              <a:t>Yellow</a:t>
             </a:r>
             <a:endParaRPr lang="ko-KR" altLang="en-US" sz="800" dirty="0">
               <a:solidFill>
@@ -11369,13 +11814,895 @@
       </p:sp>
       <p:sp>
         <p:nvSpPr>
-          <p:cNvPr id="2" name="모서리가 둥근 직사각형 1"/>
+          <p:cNvPr id="137" name="직사각형 136">
+            <a:extLst>
+              <a:ext uri="{FF2B5EF4-FFF2-40B4-BE49-F238E27FC236}">
+                <a16:creationId xmlns:a16="http://schemas.microsoft.com/office/drawing/2014/main" id="{61525ABC-9B6B-4B6B-8850-CDDB4D9840AC}"/>
+              </a:ext>
+            </a:extLst>
+          </p:cNvPr>
           <p:cNvSpPr/>
           <p:nvPr/>
         </p:nvSpPr>
         <p:spPr>
           <a:xfrm>
-            <a:off x="431999" y="2260800"/>
+            <a:off x="2124000" y="4623967"/>
+            <a:ext cx="432000" cy="216000"/>
+          </a:xfrm>
+          <a:prstGeom prst="rect">
+            <a:avLst/>
+          </a:prstGeom>
+          <a:noFill/>
+          <a:ln w="6350">
+            <a:noFill/>
+          </a:ln>
+        </p:spPr>
+        <p:style>
+          <a:lnRef idx="2">
+            <a:schemeClr val="accent1">
+              <a:shade val="50000"/>
+            </a:schemeClr>
+          </a:lnRef>
+          <a:fillRef idx="1">
+            <a:schemeClr val="accent1"/>
+          </a:fillRef>
+          <a:effectRef idx="0">
+            <a:schemeClr val="accent1"/>
+          </a:effectRef>
+          <a:fontRef idx="minor">
+            <a:schemeClr val="lt1"/>
+          </a:fontRef>
+        </p:style>
+        <p:txBody>
+          <a:bodyPr lIns="0" rtlCol="0" anchor="ctr"/>
+          <a:lstStyle/>
+          <a:p>
+            <a:r>
+              <a:rPr lang="en-US" altLang="ko-KR" sz="800" dirty="0" err="1" smtClean="0">
+                <a:solidFill>
+                  <a:schemeClr val="tx1"/>
+                </a:solidFill>
+              </a:rPr>
+              <a:t>Rgb</a:t>
+            </a:r>
+            <a:endParaRPr lang="ko-KR" altLang="en-US" sz="800" dirty="0">
+              <a:solidFill>
+                <a:schemeClr val="tx1"/>
+              </a:solidFill>
+            </a:endParaRPr>
+          </a:p>
+        </p:txBody>
+      </p:sp>
+      <p:sp>
+        <p:nvSpPr>
+          <p:cNvPr id="138" name="직사각형 137">
+            <a:extLst>
+              <a:ext uri="{FF2B5EF4-FFF2-40B4-BE49-F238E27FC236}">
+                <a16:creationId xmlns:a16="http://schemas.microsoft.com/office/drawing/2014/main" id="{61525ABC-9B6B-4B6B-8850-CDDB4D9840AC}"/>
+              </a:ext>
+            </a:extLst>
+          </p:cNvPr>
+          <p:cNvSpPr/>
+          <p:nvPr/>
+        </p:nvSpPr>
+        <p:spPr>
+          <a:xfrm>
+            <a:off x="2549539" y="4623967"/>
+            <a:ext cx="1440000" cy="216000"/>
+          </a:xfrm>
+          <a:prstGeom prst="rect">
+            <a:avLst/>
+          </a:prstGeom>
+          <a:noFill/>
+          <a:ln w="6350"/>
+        </p:spPr>
+        <p:style>
+          <a:lnRef idx="2">
+            <a:schemeClr val="accent1">
+              <a:shade val="50000"/>
+            </a:schemeClr>
+          </a:lnRef>
+          <a:fillRef idx="1">
+            <a:schemeClr val="accent1"/>
+          </a:fillRef>
+          <a:effectRef idx="0">
+            <a:schemeClr val="accent1"/>
+          </a:effectRef>
+          <a:fontRef idx="minor">
+            <a:schemeClr val="lt1"/>
+          </a:fontRef>
+        </p:style>
+        <p:txBody>
+          <a:bodyPr rtlCol="0" anchor="ctr"/>
+          <a:lstStyle/>
+          <a:p>
+            <a:r>
+              <a:rPr lang="en-US" altLang="ko-KR" sz="800" dirty="0" err="1" smtClean="0">
+                <a:solidFill>
+                  <a:schemeClr val="tx1"/>
+                </a:solidFill>
+              </a:rPr>
+              <a:t>rgb</a:t>
+            </a:r>
+            <a:r>
+              <a:rPr lang="en-US" altLang="ko-KR" sz="800" dirty="0" smtClean="0">
+                <a:solidFill>
+                  <a:schemeClr val="tx1"/>
+                </a:solidFill>
+              </a:rPr>
+              <a:t>(255, 255, 0)</a:t>
+            </a:r>
+            <a:endParaRPr lang="ko-KR" altLang="en-US" sz="800" dirty="0">
+              <a:solidFill>
+                <a:schemeClr val="tx1"/>
+              </a:solidFill>
+            </a:endParaRPr>
+          </a:p>
+        </p:txBody>
+      </p:sp>
+      <p:sp>
+        <p:nvSpPr>
+          <p:cNvPr id="139" name="직사각형 138">
+            <a:extLst>
+              <a:ext uri="{FF2B5EF4-FFF2-40B4-BE49-F238E27FC236}">
+                <a16:creationId xmlns:a16="http://schemas.microsoft.com/office/drawing/2014/main" id="{61525ABC-9B6B-4B6B-8850-CDDB4D9840AC}"/>
+              </a:ext>
+            </a:extLst>
+          </p:cNvPr>
+          <p:cNvSpPr/>
+          <p:nvPr/>
+        </p:nvSpPr>
+        <p:spPr>
+          <a:xfrm>
+            <a:off x="2124000" y="4877109"/>
+            <a:ext cx="432000" cy="216000"/>
+          </a:xfrm>
+          <a:prstGeom prst="rect">
+            <a:avLst/>
+          </a:prstGeom>
+          <a:noFill/>
+          <a:ln w="6350">
+            <a:noFill/>
+          </a:ln>
+        </p:spPr>
+        <p:style>
+          <a:lnRef idx="2">
+            <a:schemeClr val="accent1">
+              <a:shade val="50000"/>
+            </a:schemeClr>
+          </a:lnRef>
+          <a:fillRef idx="1">
+            <a:schemeClr val="accent1"/>
+          </a:fillRef>
+          <a:effectRef idx="0">
+            <a:schemeClr val="accent1"/>
+          </a:effectRef>
+          <a:fontRef idx="minor">
+            <a:schemeClr val="lt1"/>
+          </a:fontRef>
+        </p:style>
+        <p:txBody>
+          <a:bodyPr lIns="0" rtlCol="0" anchor="ctr"/>
+          <a:lstStyle/>
+          <a:p>
+            <a:r>
+              <a:rPr lang="en-US" altLang="ko-KR" sz="800" dirty="0" smtClean="0">
+                <a:solidFill>
+                  <a:schemeClr val="tx1"/>
+                </a:solidFill>
+              </a:rPr>
+              <a:t>Hex</a:t>
+            </a:r>
+            <a:endParaRPr lang="ko-KR" altLang="en-US" sz="800" dirty="0">
+              <a:solidFill>
+                <a:schemeClr val="tx1"/>
+              </a:solidFill>
+            </a:endParaRPr>
+          </a:p>
+        </p:txBody>
+      </p:sp>
+      <p:sp>
+        <p:nvSpPr>
+          <p:cNvPr id="140" name="직사각형 139">
+            <a:extLst>
+              <a:ext uri="{FF2B5EF4-FFF2-40B4-BE49-F238E27FC236}">
+                <a16:creationId xmlns:a16="http://schemas.microsoft.com/office/drawing/2014/main" id="{61525ABC-9B6B-4B6B-8850-CDDB4D9840AC}"/>
+              </a:ext>
+            </a:extLst>
+          </p:cNvPr>
+          <p:cNvSpPr/>
+          <p:nvPr/>
+        </p:nvSpPr>
+        <p:spPr>
+          <a:xfrm>
+            <a:off x="2549539" y="4877109"/>
+            <a:ext cx="1440000" cy="216000"/>
+          </a:xfrm>
+          <a:prstGeom prst="rect">
+            <a:avLst/>
+          </a:prstGeom>
+          <a:noFill/>
+          <a:ln w="6350"/>
+        </p:spPr>
+        <p:style>
+          <a:lnRef idx="2">
+            <a:schemeClr val="accent1">
+              <a:shade val="50000"/>
+            </a:schemeClr>
+          </a:lnRef>
+          <a:fillRef idx="1">
+            <a:schemeClr val="accent1"/>
+          </a:fillRef>
+          <a:effectRef idx="0">
+            <a:schemeClr val="accent1"/>
+          </a:effectRef>
+          <a:fontRef idx="minor">
+            <a:schemeClr val="lt1"/>
+          </a:fontRef>
+        </p:style>
+        <p:txBody>
+          <a:bodyPr rtlCol="0" anchor="ctr"/>
+          <a:lstStyle/>
+          <a:p>
+            <a:r>
+              <a:rPr lang="en-US" altLang="ko-KR" sz="800" dirty="0" smtClean="0">
+                <a:solidFill>
+                  <a:schemeClr val="tx1"/>
+                </a:solidFill>
+              </a:rPr>
+              <a:t>#ffff00</a:t>
+            </a:r>
+            <a:endParaRPr lang="ko-KR" altLang="en-US" sz="800" dirty="0">
+              <a:solidFill>
+                <a:schemeClr val="tx1"/>
+              </a:solidFill>
+            </a:endParaRPr>
+          </a:p>
+        </p:txBody>
+      </p:sp>
+      <p:sp>
+        <p:nvSpPr>
+          <p:cNvPr id="141" name="직사각형 140">
+            <a:extLst>
+              <a:ext uri="{FF2B5EF4-FFF2-40B4-BE49-F238E27FC236}">
+                <a16:creationId xmlns:a16="http://schemas.microsoft.com/office/drawing/2014/main" id="{61525ABC-9B6B-4B6B-8850-CDDB4D9840AC}"/>
+              </a:ext>
+            </a:extLst>
+          </p:cNvPr>
+          <p:cNvSpPr/>
+          <p:nvPr/>
+        </p:nvSpPr>
+        <p:spPr>
+          <a:xfrm>
+            <a:off x="2121739" y="4094500"/>
+            <a:ext cx="1872000" cy="216000"/>
+          </a:xfrm>
+          <a:prstGeom prst="rect">
+            <a:avLst/>
+          </a:prstGeom>
+          <a:noFill/>
+          <a:ln w="6350"/>
+        </p:spPr>
+        <p:style>
+          <a:lnRef idx="2">
+            <a:schemeClr val="accent1">
+              <a:shade val="50000"/>
+            </a:schemeClr>
+          </a:lnRef>
+          <a:fillRef idx="1">
+            <a:schemeClr val="accent1"/>
+          </a:fillRef>
+          <a:effectRef idx="0">
+            <a:schemeClr val="accent1"/>
+          </a:effectRef>
+          <a:fontRef idx="minor">
+            <a:schemeClr val="lt1"/>
+          </a:fontRef>
+        </p:style>
+        <p:txBody>
+          <a:bodyPr rtlCol="0" anchor="ctr"/>
+          <a:lstStyle/>
+          <a:p>
+            <a:r>
+              <a:rPr lang="ko-KR" altLang="en-US" sz="800" dirty="0" err="1" smtClean="0">
+                <a:solidFill>
+                  <a:schemeClr val="tx1"/>
+                </a:solidFill>
+              </a:rPr>
+              <a:t>입력영역입니다</a:t>
+            </a:r>
+            <a:endParaRPr lang="ko-KR" altLang="en-US" sz="800" dirty="0">
+              <a:solidFill>
+                <a:schemeClr val="tx1"/>
+              </a:solidFill>
+            </a:endParaRPr>
+          </a:p>
+        </p:txBody>
+      </p:sp>
+      <p:sp>
+        <p:nvSpPr>
+          <p:cNvPr id="142" name="직사각형 141">
+            <a:extLst>
+              <a:ext uri="{FF2B5EF4-FFF2-40B4-BE49-F238E27FC236}">
+                <a16:creationId xmlns:a16="http://schemas.microsoft.com/office/drawing/2014/main" id="{61525ABC-9B6B-4B6B-8850-CDDB4D9840AC}"/>
+              </a:ext>
+            </a:extLst>
+          </p:cNvPr>
+          <p:cNvSpPr/>
+          <p:nvPr/>
+        </p:nvSpPr>
+        <p:spPr>
+          <a:xfrm>
+            <a:off x="2124001" y="3720663"/>
+            <a:ext cx="1952094" cy="216000"/>
+          </a:xfrm>
+          <a:prstGeom prst="rect">
+            <a:avLst/>
+          </a:prstGeom>
+          <a:noFill/>
+          <a:ln w="6350">
+            <a:noFill/>
+          </a:ln>
+        </p:spPr>
+        <p:style>
+          <a:lnRef idx="2">
+            <a:schemeClr val="accent1">
+              <a:shade val="50000"/>
+            </a:schemeClr>
+          </a:lnRef>
+          <a:fillRef idx="1">
+            <a:schemeClr val="accent1"/>
+          </a:fillRef>
+          <a:effectRef idx="0">
+            <a:schemeClr val="accent1"/>
+          </a:effectRef>
+          <a:fontRef idx="minor">
+            <a:schemeClr val="lt1"/>
+          </a:fontRef>
+        </p:style>
+        <p:txBody>
+          <a:bodyPr lIns="0" rtlCol="0" anchor="ctr"/>
+          <a:lstStyle/>
+          <a:p>
+            <a:r>
+              <a:rPr lang="en-US" altLang="ko-KR" sz="1000" b="1" dirty="0" smtClean="0">
+                <a:solidFill>
+                  <a:schemeClr val="tx1"/>
+                </a:solidFill>
+              </a:rPr>
+              <a:t>Enter a Color:</a:t>
+            </a:r>
+            <a:endParaRPr lang="ko-KR" altLang="en-US" sz="1000" b="1" dirty="0">
+              <a:solidFill>
+                <a:schemeClr val="tx1"/>
+              </a:solidFill>
+            </a:endParaRPr>
+          </a:p>
+        </p:txBody>
+      </p:sp>
+      <p:pic>
+        <p:nvPicPr>
+          <p:cNvPr id="143" name="Picture 2" descr="https://fonts.gstatic.com/s/i/googlematerialicons/content_copy/v16/gm_grey-24dp/1x/gm_content_copy_gm_grey_24dp.png"/>
+          <p:cNvPicPr>
+            <a:picLocks noChangeAspect="1" noChangeArrowheads="1"/>
+          </p:cNvPicPr>
+          <p:nvPr/>
+        </p:nvPicPr>
+        <p:blipFill>
+          <a:blip r:embed="rId2">
+            <a:extLst>
+              <a:ext uri="{28A0092B-C50C-407E-A947-70E740481C1C}">
+                <a14:useLocalDpi xmlns:a14="http://schemas.microsoft.com/office/drawing/2010/main" val="0"/>
+              </a:ext>
+            </a:extLst>
+          </a:blip>
+          <a:srcRect/>
+          <a:stretch>
+            <a:fillRect/>
+          </a:stretch>
+        </p:blipFill>
+        <p:spPr bwMode="auto">
+          <a:xfrm>
+            <a:off x="3808559" y="4665509"/>
+            <a:ext cx="144000" cy="144000"/>
+          </a:xfrm>
+          <a:prstGeom prst="rect">
+            <a:avLst/>
+          </a:prstGeom>
+          <a:noFill/>
+          <a:extLst>
+            <a:ext uri="{909E8E84-426E-40DD-AFC4-6F175D3DCCD1}">
+              <a14:hiddenFill xmlns:a14="http://schemas.microsoft.com/office/drawing/2010/main">
+                <a:solidFill>
+                  <a:srgbClr val="FFFFFF"/>
+                </a:solidFill>
+              </a14:hiddenFill>
+            </a:ext>
+          </a:extLst>
+        </p:spPr>
+      </p:pic>
+      <p:sp>
+        <p:nvSpPr>
+          <p:cNvPr id="147" name="직사각형 146">
+            <a:extLst>
+              <a:ext uri="{FF2B5EF4-FFF2-40B4-BE49-F238E27FC236}">
+                <a16:creationId xmlns:a16="http://schemas.microsoft.com/office/drawing/2014/main" id="{61525ABC-9B6B-4B6B-8850-CDDB4D9840AC}"/>
+              </a:ext>
+            </a:extLst>
+          </p:cNvPr>
+          <p:cNvSpPr/>
+          <p:nvPr/>
+        </p:nvSpPr>
+        <p:spPr>
+          <a:xfrm>
+            <a:off x="2123999" y="5126711"/>
+            <a:ext cx="1509739" cy="216000"/>
+          </a:xfrm>
+          <a:prstGeom prst="rect">
+            <a:avLst/>
+          </a:prstGeom>
+          <a:noFill/>
+          <a:ln w="6350">
+            <a:noFill/>
+          </a:ln>
+        </p:spPr>
+        <p:style>
+          <a:lnRef idx="2">
+            <a:schemeClr val="accent1">
+              <a:shade val="50000"/>
+            </a:schemeClr>
+          </a:lnRef>
+          <a:fillRef idx="1">
+            <a:schemeClr val="accent1"/>
+          </a:fillRef>
+          <a:effectRef idx="0">
+            <a:schemeClr val="accent1"/>
+          </a:effectRef>
+          <a:fontRef idx="minor">
+            <a:schemeClr val="lt1"/>
+          </a:fontRef>
+        </p:style>
+        <p:txBody>
+          <a:bodyPr rtlCol="0" anchor="ctr"/>
+          <a:lstStyle/>
+          <a:p>
+            <a:pPr algn="ctr"/>
+            <a:r>
+              <a:rPr lang="en-US" altLang="ko-KR" sz="800" dirty="0" smtClean="0">
+                <a:solidFill>
+                  <a:schemeClr val="tx1"/>
+                </a:solidFill>
+              </a:rPr>
+              <a:t>… </a:t>
+            </a:r>
+            <a:r>
+              <a:rPr lang="en-US" altLang="ko-KR" sz="800" dirty="0" err="1" smtClean="0">
+                <a:solidFill>
+                  <a:schemeClr val="tx1"/>
+                </a:solidFill>
+              </a:rPr>
+              <a:t>Hsl</a:t>
+            </a:r>
+            <a:r>
+              <a:rPr lang="en-US" altLang="ko-KR" sz="800" dirty="0" smtClean="0">
+                <a:solidFill>
+                  <a:schemeClr val="tx1"/>
+                </a:solidFill>
+              </a:rPr>
+              <a:t>, </a:t>
+            </a:r>
+            <a:r>
+              <a:rPr lang="en-US" altLang="ko-KR" sz="800" dirty="0" err="1" smtClean="0">
+                <a:solidFill>
+                  <a:schemeClr val="tx1"/>
+                </a:solidFill>
+              </a:rPr>
+              <a:t>Hwb</a:t>
+            </a:r>
+            <a:r>
+              <a:rPr lang="en-US" altLang="ko-KR" sz="800" dirty="0" smtClean="0">
+                <a:solidFill>
+                  <a:schemeClr val="tx1"/>
+                </a:solidFill>
+              </a:rPr>
+              <a:t>, </a:t>
+            </a:r>
+            <a:r>
+              <a:rPr lang="en-US" altLang="ko-KR" sz="800" dirty="0" err="1" smtClean="0">
+                <a:solidFill>
+                  <a:schemeClr val="tx1"/>
+                </a:solidFill>
+              </a:rPr>
+              <a:t>Cmyk</a:t>
+            </a:r>
+            <a:r>
+              <a:rPr lang="en-US" altLang="ko-KR" sz="800" dirty="0" smtClean="0">
+                <a:solidFill>
+                  <a:schemeClr val="tx1"/>
+                </a:solidFill>
+              </a:rPr>
+              <a:t>, </a:t>
+            </a:r>
+            <a:r>
+              <a:rPr lang="en-US" altLang="ko-KR" sz="800" dirty="0" err="1" smtClean="0">
+                <a:solidFill>
+                  <a:schemeClr val="tx1"/>
+                </a:solidFill>
+              </a:rPr>
+              <a:t>Ncol</a:t>
+            </a:r>
+            <a:r>
+              <a:rPr lang="en-US" altLang="ko-KR" sz="800" dirty="0" smtClean="0">
+                <a:solidFill>
+                  <a:schemeClr val="tx1"/>
+                </a:solidFill>
+              </a:rPr>
+              <a:t> …</a:t>
+            </a:r>
+            <a:endParaRPr lang="ko-KR" altLang="en-US" sz="800" dirty="0">
+              <a:solidFill>
+                <a:schemeClr val="tx1"/>
+              </a:solidFill>
+            </a:endParaRPr>
+          </a:p>
+        </p:txBody>
+      </p:sp>
+      <p:sp>
+        <p:nvSpPr>
+          <p:cNvPr id="151" name="직사각형 150">
+            <a:extLst>
+              <a:ext uri="{FF2B5EF4-FFF2-40B4-BE49-F238E27FC236}">
+                <a16:creationId xmlns:a16="http://schemas.microsoft.com/office/drawing/2014/main" id="{61525ABC-9B6B-4B6B-8850-CDDB4D9840AC}"/>
+              </a:ext>
+            </a:extLst>
+          </p:cNvPr>
+          <p:cNvSpPr/>
+          <p:nvPr/>
+        </p:nvSpPr>
+        <p:spPr>
+          <a:xfrm>
+            <a:off x="4144229" y="4913090"/>
+            <a:ext cx="144000" cy="144000"/>
+          </a:xfrm>
+          <a:prstGeom prst="rect">
+            <a:avLst/>
+          </a:prstGeom>
+          <a:noFill/>
+          <a:ln w="6350"/>
+        </p:spPr>
+        <p:style>
+          <a:lnRef idx="2">
+            <a:schemeClr val="accent1">
+              <a:shade val="50000"/>
+            </a:schemeClr>
+          </a:lnRef>
+          <a:fillRef idx="1">
+            <a:schemeClr val="accent1"/>
+          </a:fillRef>
+          <a:effectRef idx="0">
+            <a:schemeClr val="accent1"/>
+          </a:effectRef>
+          <a:fontRef idx="minor">
+            <a:schemeClr val="lt1"/>
+          </a:fontRef>
+        </p:style>
+        <p:txBody>
+          <a:bodyPr rtlCol="0" anchor="ctr"/>
+          <a:lstStyle/>
+          <a:p>
+            <a:pPr algn="ctr"/>
+            <a:endParaRPr lang="ko-KR" altLang="en-US" sz="800" dirty="0">
+              <a:solidFill>
+                <a:schemeClr val="tx1"/>
+              </a:solidFill>
+            </a:endParaRPr>
+          </a:p>
+        </p:txBody>
+      </p:sp>
+      <p:sp>
+        <p:nvSpPr>
+          <p:cNvPr id="152" name="직사각형 151">
+            <a:extLst>
+              <a:ext uri="{FF2B5EF4-FFF2-40B4-BE49-F238E27FC236}">
+                <a16:creationId xmlns:a16="http://schemas.microsoft.com/office/drawing/2014/main" id="{61525ABC-9B6B-4B6B-8850-CDDB4D9840AC}"/>
+              </a:ext>
+            </a:extLst>
+          </p:cNvPr>
+          <p:cNvSpPr/>
+          <p:nvPr/>
+        </p:nvSpPr>
+        <p:spPr>
+          <a:xfrm>
+            <a:off x="4144229" y="4659967"/>
+            <a:ext cx="144000" cy="144000"/>
+          </a:xfrm>
+          <a:prstGeom prst="rect">
+            <a:avLst/>
+          </a:prstGeom>
+          <a:noFill/>
+          <a:ln w="6350"/>
+        </p:spPr>
+        <p:style>
+          <a:lnRef idx="2">
+            <a:schemeClr val="accent1">
+              <a:shade val="50000"/>
+            </a:schemeClr>
+          </a:lnRef>
+          <a:fillRef idx="1">
+            <a:schemeClr val="accent1"/>
+          </a:fillRef>
+          <a:effectRef idx="0">
+            <a:schemeClr val="accent1"/>
+          </a:effectRef>
+          <a:fontRef idx="minor">
+            <a:schemeClr val="lt1"/>
+          </a:fontRef>
+        </p:style>
+        <p:txBody>
+          <a:bodyPr rtlCol="0" anchor="ctr"/>
+          <a:lstStyle/>
+          <a:p>
+            <a:pPr algn="ctr"/>
+            <a:r>
+              <a:rPr lang="en-US" altLang="ko-KR" sz="800" dirty="0" smtClean="0">
+                <a:solidFill>
+                  <a:schemeClr val="tx1"/>
+                </a:solidFill>
+              </a:rPr>
+              <a:t>V</a:t>
+            </a:r>
+            <a:endParaRPr lang="ko-KR" altLang="en-US" sz="800" dirty="0">
+              <a:solidFill>
+                <a:schemeClr val="tx1"/>
+              </a:solidFill>
+            </a:endParaRPr>
+          </a:p>
+        </p:txBody>
+      </p:sp>
+      <p:sp>
+        <p:nvSpPr>
+          <p:cNvPr id="153" name="직사각형 152">
+            <a:extLst>
+              <a:ext uri="{FF2B5EF4-FFF2-40B4-BE49-F238E27FC236}">
+                <a16:creationId xmlns:a16="http://schemas.microsoft.com/office/drawing/2014/main" id="{61525ABC-9B6B-4B6B-8850-CDDB4D9840AC}"/>
+              </a:ext>
+            </a:extLst>
+          </p:cNvPr>
+          <p:cNvSpPr/>
+          <p:nvPr/>
+        </p:nvSpPr>
+        <p:spPr>
+          <a:xfrm>
+            <a:off x="4329390" y="4877090"/>
+            <a:ext cx="360000" cy="216000"/>
+          </a:xfrm>
+          <a:prstGeom prst="rect">
+            <a:avLst/>
+          </a:prstGeom>
+          <a:noFill/>
+          <a:ln w="6350">
+            <a:noFill/>
+          </a:ln>
+        </p:spPr>
+        <p:style>
+          <a:lnRef idx="2">
+            <a:schemeClr val="accent1">
+              <a:shade val="50000"/>
+            </a:schemeClr>
+          </a:lnRef>
+          <a:fillRef idx="1">
+            <a:schemeClr val="accent1"/>
+          </a:fillRef>
+          <a:effectRef idx="0">
+            <a:schemeClr val="accent1"/>
+          </a:effectRef>
+          <a:fontRef idx="minor">
+            <a:schemeClr val="lt1"/>
+          </a:fontRef>
+        </p:style>
+        <p:txBody>
+          <a:bodyPr lIns="0" rtlCol="0" anchor="ctr"/>
+          <a:lstStyle/>
+          <a:p>
+            <a:r>
+              <a:rPr lang="en-US" altLang="ko-KR" sz="800" dirty="0" smtClean="0">
+                <a:solidFill>
+                  <a:schemeClr val="tx1"/>
+                </a:solidFill>
+              </a:rPr>
+              <a:t>Caps</a:t>
+            </a:r>
+            <a:endParaRPr lang="ko-KR" altLang="en-US" sz="800" dirty="0">
+              <a:solidFill>
+                <a:schemeClr val="tx1"/>
+              </a:solidFill>
+            </a:endParaRPr>
+          </a:p>
+        </p:txBody>
+      </p:sp>
+      <p:sp>
+        <p:nvSpPr>
+          <p:cNvPr id="154" name="직사각형 153">
+            <a:extLst>
+              <a:ext uri="{FF2B5EF4-FFF2-40B4-BE49-F238E27FC236}">
+                <a16:creationId xmlns:a16="http://schemas.microsoft.com/office/drawing/2014/main" id="{61525ABC-9B6B-4B6B-8850-CDDB4D9840AC}"/>
+              </a:ext>
+            </a:extLst>
+          </p:cNvPr>
+          <p:cNvSpPr/>
+          <p:nvPr/>
+        </p:nvSpPr>
+        <p:spPr>
+          <a:xfrm>
+            <a:off x="4329389" y="4629509"/>
+            <a:ext cx="360000" cy="216000"/>
+          </a:xfrm>
+          <a:prstGeom prst="rect">
+            <a:avLst/>
+          </a:prstGeom>
+          <a:noFill/>
+          <a:ln w="6350">
+            <a:noFill/>
+          </a:ln>
+        </p:spPr>
+        <p:style>
+          <a:lnRef idx="2">
+            <a:schemeClr val="accent1">
+              <a:shade val="50000"/>
+            </a:schemeClr>
+          </a:lnRef>
+          <a:fillRef idx="1">
+            <a:schemeClr val="accent1"/>
+          </a:fillRef>
+          <a:effectRef idx="0">
+            <a:schemeClr val="accent1"/>
+          </a:effectRef>
+          <a:fontRef idx="minor">
+            <a:schemeClr val="lt1"/>
+          </a:fontRef>
+        </p:style>
+        <p:txBody>
+          <a:bodyPr lIns="0" rtlCol="0" anchor="ctr"/>
+          <a:lstStyle/>
+          <a:p>
+            <a:r>
+              <a:rPr lang="en-US" altLang="ko-KR" sz="800" dirty="0" smtClean="0">
+                <a:solidFill>
+                  <a:schemeClr val="tx1"/>
+                </a:solidFill>
+              </a:rPr>
+              <a:t>space</a:t>
+            </a:r>
+            <a:endParaRPr lang="ko-KR" altLang="en-US" sz="800" dirty="0">
+              <a:solidFill>
+                <a:schemeClr val="tx1"/>
+              </a:solidFill>
+            </a:endParaRPr>
+          </a:p>
+        </p:txBody>
+      </p:sp>
+      <p:sp>
+        <p:nvSpPr>
+          <p:cNvPr id="155" name="직사각형 154">
+            <a:extLst>
+              <a:ext uri="{FF2B5EF4-FFF2-40B4-BE49-F238E27FC236}">
+                <a16:creationId xmlns:a16="http://schemas.microsoft.com/office/drawing/2014/main" id="{61525ABC-9B6B-4B6B-8850-CDDB4D9840AC}"/>
+              </a:ext>
+            </a:extLst>
+          </p:cNvPr>
+          <p:cNvSpPr/>
+          <p:nvPr/>
+        </p:nvSpPr>
+        <p:spPr>
+          <a:xfrm>
+            <a:off x="4684229" y="4913090"/>
+            <a:ext cx="144000" cy="144000"/>
+          </a:xfrm>
+          <a:prstGeom prst="rect">
+            <a:avLst/>
+          </a:prstGeom>
+          <a:noFill/>
+          <a:ln w="6350"/>
+        </p:spPr>
+        <p:style>
+          <a:lnRef idx="2">
+            <a:schemeClr val="accent1">
+              <a:shade val="50000"/>
+            </a:schemeClr>
+          </a:lnRef>
+          <a:fillRef idx="1">
+            <a:schemeClr val="accent1"/>
+          </a:fillRef>
+          <a:effectRef idx="0">
+            <a:schemeClr val="accent1"/>
+          </a:effectRef>
+          <a:fontRef idx="minor">
+            <a:schemeClr val="lt1"/>
+          </a:fontRef>
+        </p:style>
+        <p:txBody>
+          <a:bodyPr rtlCol="0" anchor="ctr"/>
+          <a:lstStyle/>
+          <a:p>
+            <a:pPr algn="ctr"/>
+            <a:endParaRPr lang="ko-KR" altLang="en-US" sz="800" dirty="0">
+              <a:solidFill>
+                <a:schemeClr val="tx1"/>
+              </a:solidFill>
+            </a:endParaRPr>
+          </a:p>
+        </p:txBody>
+      </p:sp>
+      <p:sp>
+        <p:nvSpPr>
+          <p:cNvPr id="156" name="직사각형 155">
+            <a:extLst>
+              <a:ext uri="{FF2B5EF4-FFF2-40B4-BE49-F238E27FC236}">
+                <a16:creationId xmlns:a16="http://schemas.microsoft.com/office/drawing/2014/main" id="{61525ABC-9B6B-4B6B-8850-CDDB4D9840AC}"/>
+              </a:ext>
+            </a:extLst>
+          </p:cNvPr>
+          <p:cNvSpPr/>
+          <p:nvPr/>
+        </p:nvSpPr>
+        <p:spPr>
+          <a:xfrm>
+            <a:off x="4869390" y="4877090"/>
+            <a:ext cx="360000" cy="216000"/>
+          </a:xfrm>
+          <a:prstGeom prst="rect">
+            <a:avLst/>
+          </a:prstGeom>
+          <a:noFill/>
+          <a:ln w="6350">
+            <a:noFill/>
+          </a:ln>
+        </p:spPr>
+        <p:style>
+          <a:lnRef idx="2">
+            <a:schemeClr val="accent1">
+              <a:shade val="50000"/>
+            </a:schemeClr>
+          </a:lnRef>
+          <a:fillRef idx="1">
+            <a:schemeClr val="accent1"/>
+          </a:fillRef>
+          <a:effectRef idx="0">
+            <a:schemeClr val="accent1"/>
+          </a:effectRef>
+          <a:fontRef idx="minor">
+            <a:schemeClr val="lt1"/>
+          </a:fontRef>
+        </p:style>
+        <p:txBody>
+          <a:bodyPr lIns="0" rtlCol="0" anchor="ctr"/>
+          <a:lstStyle/>
+          <a:p>
+            <a:r>
+              <a:rPr lang="en-US" altLang="ko-KR" sz="800" dirty="0" smtClean="0">
+                <a:solidFill>
+                  <a:schemeClr val="tx1"/>
+                </a:solidFill>
+              </a:rPr>
+              <a:t>#</a:t>
+            </a:r>
+            <a:endParaRPr lang="ko-KR" altLang="en-US" sz="800" dirty="0">
+              <a:solidFill>
+                <a:schemeClr val="tx1"/>
+              </a:solidFill>
+            </a:endParaRPr>
+          </a:p>
+        </p:txBody>
+      </p:sp>
+      <p:sp>
+        <p:nvSpPr>
+          <p:cNvPr id="158" name="모서리가 둥근 직사각형 157"/>
+          <p:cNvSpPr/>
+          <p:nvPr/>
+        </p:nvSpPr>
+        <p:spPr>
+          <a:xfrm>
+            <a:off x="431999" y="1622370"/>
             <a:ext cx="1368000" cy="216000"/>
           </a:xfrm>
           <a:prstGeom prst="roundRect">
@@ -11413,38 +12740,190 @@
           <a:p>
             <a:r>
               <a:rPr lang="en-US" altLang="ko-KR" sz="1400" b="1" dirty="0" smtClean="0"/>
-              <a:t>Date </a:t>
-            </a:r>
-            <a:r>
-              <a:rPr lang="en-US" altLang="ko-KR" sz="1400" b="1" dirty="0" err="1" smtClean="0"/>
-              <a:t>Calculato</a:t>
+              <a:t>Color Convert</a:t>
             </a:r>
             <a:endParaRPr lang="ko-KR" altLang="en-US" sz="1400" b="1" dirty="0"/>
           </a:p>
         </p:txBody>
       </p:sp>
-      <p:sp>
-        <p:nvSpPr>
-          <p:cNvPr id="73" name="직사각형 72">
-            <a:extLst>
-              <a:ext uri="{FF2B5EF4-FFF2-40B4-BE49-F238E27FC236}">
-                <a16:creationId xmlns:a16="http://schemas.microsoft.com/office/drawing/2014/main" id="{61525ABC-9B6B-4B6B-8850-CDDB4D9840AC}"/>
-              </a:ext>
-            </a:extLst>
-          </p:cNvPr>
+      <p:grpSp>
+        <p:nvGrpSpPr>
+          <p:cNvPr id="16" name="그룹 15"/>
+          <p:cNvGrpSpPr/>
+          <p:nvPr/>
+        </p:nvGrpSpPr>
+        <p:grpSpPr>
+          <a:xfrm>
+            <a:off x="1598696" y="1186878"/>
+            <a:ext cx="216000" cy="216000"/>
+            <a:chOff x="1598696" y="1186878"/>
+            <a:chExt cx="216000" cy="216000"/>
+          </a:xfrm>
+        </p:grpSpPr>
+        <p:grpSp>
+          <p:nvGrpSpPr>
+            <p:cNvPr id="14" name="그룹 13"/>
+            <p:cNvGrpSpPr/>
+            <p:nvPr/>
+          </p:nvGrpSpPr>
+          <p:grpSpPr>
+            <a:xfrm>
+              <a:off x="1644174" y="1230339"/>
+              <a:ext cx="125044" cy="129079"/>
+              <a:chOff x="1640252" y="1220115"/>
+              <a:chExt cx="125044" cy="129079"/>
+            </a:xfrm>
+          </p:grpSpPr>
+          <p:sp>
+            <p:nvSpPr>
+              <p:cNvPr id="2" name="타원 1"/>
+              <p:cNvSpPr>
+                <a:spLocks noChangeAspect="1"/>
+              </p:cNvSpPr>
+              <p:nvPr/>
+            </p:nvSpPr>
+            <p:spPr>
+              <a:xfrm>
+                <a:off x="1640252" y="1220115"/>
+                <a:ext cx="108000" cy="108000"/>
+              </a:xfrm>
+              <a:prstGeom prst="ellipse">
+                <a:avLst/>
+              </a:prstGeom>
+              <a:noFill/>
+              <a:ln w="19050">
+                <a:solidFill>
+                  <a:srgbClr val="2F528F"/>
+                </a:solidFill>
+              </a:ln>
+            </p:spPr>
+            <p:style>
+              <a:lnRef idx="2">
+                <a:schemeClr val="accent1">
+                  <a:shade val="50000"/>
+                </a:schemeClr>
+              </a:lnRef>
+              <a:fillRef idx="1">
+                <a:schemeClr val="accent1"/>
+              </a:fillRef>
+              <a:effectRef idx="0">
+                <a:schemeClr val="accent1"/>
+              </a:effectRef>
+              <a:fontRef idx="minor">
+                <a:schemeClr val="lt1"/>
+              </a:fontRef>
+            </p:style>
+            <p:txBody>
+              <a:bodyPr rtlCol="0" anchor="ctr"/>
+              <a:lstStyle/>
+              <a:p>
+                <a:pPr algn="ctr"/>
+                <a:endParaRPr lang="ko-KR" altLang="en-US"/>
+              </a:p>
+            </p:txBody>
+          </p:sp>
+          <p:cxnSp>
+            <p:nvCxnSpPr>
+              <p:cNvPr id="4" name="직선 연결선 3"/>
+              <p:cNvCxnSpPr/>
+              <p:nvPr/>
+            </p:nvCxnSpPr>
+            <p:spPr>
+              <a:xfrm>
+                <a:off x="1723237" y="1305256"/>
+                <a:ext cx="42059" cy="43938"/>
+              </a:xfrm>
+              <a:prstGeom prst="line">
+                <a:avLst/>
+              </a:prstGeom>
+              <a:ln w="31750">
+                <a:solidFill>
+                  <a:srgbClr val="2F528F"/>
+                </a:solidFill>
+              </a:ln>
+            </p:spPr>
+            <p:style>
+              <a:lnRef idx="1">
+                <a:schemeClr val="accent1"/>
+              </a:lnRef>
+              <a:fillRef idx="0">
+                <a:schemeClr val="accent1"/>
+              </a:fillRef>
+              <a:effectRef idx="0">
+                <a:schemeClr val="accent1"/>
+              </a:effectRef>
+              <a:fontRef idx="minor">
+                <a:schemeClr val="tx1"/>
+              </a:fontRef>
+            </p:style>
+          </p:cxnSp>
+        </p:grpSp>
+        <p:sp>
+          <p:nvSpPr>
+            <p:cNvPr id="79" name="모서리가 둥근 직사각형 78"/>
+            <p:cNvSpPr/>
+            <p:nvPr/>
+          </p:nvSpPr>
+          <p:spPr>
+            <a:xfrm>
+              <a:off x="1598696" y="1186878"/>
+              <a:ext cx="216000" cy="216000"/>
+            </a:xfrm>
+            <a:prstGeom prst="roundRect">
+              <a:avLst/>
+            </a:prstGeom>
+            <a:noFill/>
+            <a:ln w="6350">
+              <a:solidFill>
+                <a:schemeClr val="accent1">
+                  <a:shade val="50000"/>
+                </a:schemeClr>
+              </a:solidFill>
+            </a:ln>
+            <a:effectLst>
+              <a:softEdge rad="0"/>
+            </a:effectLst>
+          </p:spPr>
+          <p:style>
+            <a:lnRef idx="2">
+              <a:schemeClr val="accent1">
+                <a:shade val="50000"/>
+              </a:schemeClr>
+            </a:lnRef>
+            <a:fillRef idx="1">
+              <a:schemeClr val="accent1"/>
+            </a:fillRef>
+            <a:effectRef idx="0">
+              <a:schemeClr val="accent1"/>
+            </a:effectRef>
+            <a:fontRef idx="minor">
+              <a:schemeClr val="lt1"/>
+            </a:fontRef>
+          </p:style>
+          <p:txBody>
+            <a:bodyPr rIns="0" rtlCol="0" anchor="ctr"/>
+            <a:lstStyle/>
+            <a:p>
+              <a:endParaRPr lang="ko-KR" altLang="en-US" sz="1400" b="1" dirty="0"/>
+            </a:p>
+          </p:txBody>
+        </p:sp>
+      </p:grpSp>
+      <p:sp>
+        <p:nvSpPr>
+          <p:cNvPr id="17" name="이등변 삼각형 16"/>
           <p:cNvSpPr/>
           <p:nvPr/>
         </p:nvSpPr>
         <p:spPr>
           <a:xfrm>
-            <a:off x="358045" y="1439994"/>
-            <a:ext cx="1512001" cy="216000"/>
-          </a:xfrm>
-          <a:prstGeom prst="rect">
-            <a:avLst/>
-          </a:prstGeom>
-          <a:noFill/>
-          <a:ln w="6350">
+            <a:off x="1890000" y="1176638"/>
+            <a:ext cx="108000" cy="72000"/>
+          </a:xfrm>
+          <a:prstGeom prst="triangle">
+            <a:avLst/>
+          </a:prstGeom>
+          <a:ln>
             <a:noFill/>
           </a:ln>
         </p:spPr>
@@ -11468,44 +12947,26 @@
           <a:bodyPr rtlCol="0" anchor="ctr"/>
           <a:lstStyle/>
           <a:p>
-            <a:r>
-              <a:rPr lang="en-US" altLang="ko-KR" sz="800" dirty="0" smtClean="0">
-                <a:solidFill>
-                  <a:schemeClr val="tx1"/>
-                </a:solidFill>
-              </a:rPr>
-              <a:t>Color</a:t>
-            </a:r>
-            <a:endParaRPr lang="ko-KR" altLang="en-US" sz="800" dirty="0">
-              <a:solidFill>
-                <a:schemeClr val="tx1"/>
-              </a:solidFill>
-            </a:endParaRPr>
-          </a:p>
-        </p:txBody>
-      </p:sp>
-      <p:sp>
-        <p:nvSpPr>
-          <p:cNvPr id="74" name="직사각형 73">
-            <a:extLst>
-              <a:ext uri="{FF2B5EF4-FFF2-40B4-BE49-F238E27FC236}">
-                <a16:creationId xmlns:a16="http://schemas.microsoft.com/office/drawing/2014/main" id="{61525ABC-9B6B-4B6B-8850-CDDB4D9840AC}"/>
-              </a:ext>
-            </a:extLst>
-          </p:cNvPr>
+            <a:pPr algn="ctr"/>
+            <a:endParaRPr lang="ko-KR" altLang="en-US"/>
+          </a:p>
+        </p:txBody>
+      </p:sp>
+      <p:sp>
+        <p:nvSpPr>
+          <p:cNvPr id="94" name="이등변 삼각형 93"/>
           <p:cNvSpPr/>
           <p:nvPr/>
         </p:nvSpPr>
         <p:spPr>
-          <a:xfrm>
-            <a:off x="358045" y="2480505"/>
-            <a:ext cx="1512001" cy="216000"/>
-          </a:xfrm>
-          <a:prstGeom prst="rect">
-            <a:avLst/>
-          </a:prstGeom>
-          <a:noFill/>
-          <a:ln w="6350">
+          <a:xfrm rot="10800000">
+            <a:off x="1890000" y="6253460"/>
+            <a:ext cx="108000" cy="72000"/>
+          </a:xfrm>
+          <a:prstGeom prst="triangle">
+            <a:avLst/>
+          </a:prstGeom>
+          <a:ln>
             <a:noFill/>
           </a:ln>
         </p:spPr>
@@ -11529,44 +12990,31 @@
           <a:bodyPr rtlCol="0" anchor="ctr"/>
           <a:lstStyle/>
           <a:p>
-            <a:r>
-              <a:rPr lang="en-US" altLang="ko-KR" sz="800" dirty="0" smtClean="0">
-                <a:solidFill>
-                  <a:schemeClr val="tx1"/>
-                </a:solidFill>
-              </a:rPr>
-              <a:t>Beautifier</a:t>
-            </a:r>
-            <a:endParaRPr lang="ko-KR" altLang="en-US" sz="800" dirty="0">
-              <a:solidFill>
-                <a:schemeClr val="tx1"/>
-              </a:solidFill>
-            </a:endParaRPr>
-          </a:p>
-        </p:txBody>
-      </p:sp>
-      <p:sp>
-        <p:nvSpPr>
-          <p:cNvPr id="76" name="직사각형 75">
-            <a:extLst>
-              <a:ext uri="{FF2B5EF4-FFF2-40B4-BE49-F238E27FC236}">
-                <a16:creationId xmlns:a16="http://schemas.microsoft.com/office/drawing/2014/main" id="{61525ABC-9B6B-4B6B-8850-CDDB4D9840AC}"/>
-              </a:ext>
-            </a:extLst>
-          </p:cNvPr>
-          <p:cNvSpPr/>
-          <p:nvPr/>
-        </p:nvSpPr>
-        <p:spPr>
-          <a:xfrm>
-            <a:off x="358045" y="2915997"/>
-            <a:ext cx="1512001" cy="216000"/>
-          </a:xfrm>
-          <a:prstGeom prst="rect">
-            <a:avLst/>
-          </a:prstGeom>
-          <a:noFill/>
-          <a:ln w="6350">
+            <a:pPr algn="ctr"/>
+            <a:endParaRPr lang="ko-KR" altLang="en-US"/>
+          </a:p>
+        </p:txBody>
+      </p:sp>
+      <p:sp>
+        <p:nvSpPr>
+          <p:cNvPr id="3" name="타원 2"/>
+          <p:cNvSpPr>
+            <a:spLocks noChangeAspect="1"/>
+          </p:cNvSpPr>
+          <p:nvPr/>
+        </p:nvSpPr>
+        <p:spPr>
+          <a:xfrm>
+            <a:off x="2599660" y="3283184"/>
+            <a:ext cx="360000" cy="360000"/>
+          </a:xfrm>
+          <a:prstGeom prst="ellipse">
+            <a:avLst/>
+          </a:prstGeom>
+          <a:solidFill>
+            <a:srgbClr val="00BFFF"/>
+          </a:solidFill>
+          <a:ln>
             <a:noFill/>
           </a:ln>
         </p:spPr>
@@ -11590,25 +13038,14 @@
           <a:bodyPr rtlCol="0" anchor="ctr"/>
           <a:lstStyle/>
           <a:p>
-            <a:r>
-              <a:rPr lang="en-US" altLang="ko-KR" sz="800" dirty="0" smtClean="0">
-                <a:solidFill>
-                  <a:schemeClr val="tx1"/>
-                </a:solidFill>
-              </a:rPr>
-              <a:t>Category</a:t>
-            </a:r>
-            <a:endParaRPr lang="ko-KR" altLang="en-US" sz="800" dirty="0">
-              <a:solidFill>
-                <a:schemeClr val="tx1"/>
-              </a:solidFill>
-            </a:endParaRPr>
-          </a:p>
-        </p:txBody>
-      </p:sp>
-      <p:sp>
-        <p:nvSpPr>
-          <p:cNvPr id="77" name="직사각형 76">
+            <a:pPr algn="ctr"/>
+            <a:endParaRPr lang="ko-KR" altLang="en-US"/>
+          </a:p>
+        </p:txBody>
+      </p:sp>
+      <p:sp>
+        <p:nvSpPr>
+          <p:cNvPr id="85" name="직사각형 84">
             <a:extLst>
               <a:ext uri="{FF2B5EF4-FFF2-40B4-BE49-F238E27FC236}">
                 <a16:creationId xmlns:a16="http://schemas.microsoft.com/office/drawing/2014/main" id="{61525ABC-9B6B-4B6B-8850-CDDB4D9840AC}"/>
@@ -11620,13 +13057,27 @@
         </p:nvSpPr>
         <p:spPr>
           <a:xfrm>
-            <a:off x="358045" y="2057862"/>
-            <a:ext cx="1512001" cy="216000"/>
+            <a:off x="2123999" y="1620000"/>
+            <a:ext cx="2520000" cy="36000"/>
           </a:xfrm>
           <a:prstGeom prst="rect">
             <a:avLst/>
           </a:prstGeom>
-          <a:noFill/>
+          <a:gradFill flip="none" rotWithShape="1">
+            <a:gsLst>
+              <a:gs pos="0">
+                <a:srgbClr val="FF0000"/>
+              </a:gs>
+              <a:gs pos="100000">
+                <a:schemeClr val="accent6">
+                  <a:lumMod val="0"/>
+                  <a:lumOff val="100000"/>
+                </a:schemeClr>
+              </a:gs>
+            </a:gsLst>
+            <a:lin ang="8100000" scaled="0"/>
+            <a:tileRect/>
+          </a:gradFill>
           <a:ln w="6350">
             <a:noFill/>
           </a:ln>
@@ -11651,26 +13102,574 @@
           <a:bodyPr rtlCol="0" anchor="ctr"/>
           <a:lstStyle/>
           <a:p>
-            <a:r>
-              <a:rPr lang="en-US" altLang="ko-KR" sz="800" dirty="0" smtClean="0">
-                <a:solidFill>
-                  <a:schemeClr val="tx1"/>
-                </a:solidFill>
-              </a:rPr>
-              <a:t>Calculator</a:t>
-            </a:r>
             <a:endParaRPr lang="ko-KR" altLang="en-US" sz="800" dirty="0">
               <a:solidFill>
                 <a:schemeClr val="tx1"/>
               </a:solidFill>
             </a:endParaRPr>
+          </a:p>
+        </p:txBody>
+      </p:sp>
+      <p:sp>
+        <p:nvSpPr>
+          <p:cNvPr id="86" name="직사각형 85">
+            <a:extLst>
+              <a:ext uri="{FF2B5EF4-FFF2-40B4-BE49-F238E27FC236}">
+                <a16:creationId xmlns:a16="http://schemas.microsoft.com/office/drawing/2014/main" id="{61525ABC-9B6B-4B6B-8850-CDDB4D9840AC}"/>
+              </a:ext>
+            </a:extLst>
+          </p:cNvPr>
+          <p:cNvSpPr/>
+          <p:nvPr/>
+        </p:nvSpPr>
+        <p:spPr>
+          <a:xfrm rot="-5400000">
+            <a:off x="3747771" y="2648457"/>
+            <a:ext cx="108000" cy="1440000"/>
+          </a:xfrm>
+          <a:prstGeom prst="rect">
+            <a:avLst/>
+          </a:prstGeom>
+          <a:gradFill>
+            <a:gsLst>
+              <a:gs pos="83000">
+                <a:srgbClr val="FFFF00"/>
+              </a:gs>
+              <a:gs pos="50000">
+                <a:srgbClr val="00FFFF"/>
+              </a:gs>
+              <a:gs pos="16000">
+                <a:srgbClr val="FF00FF"/>
+              </a:gs>
+              <a:gs pos="0">
+                <a:srgbClr val="FF0000"/>
+              </a:gs>
+              <a:gs pos="33000">
+                <a:srgbClr val="0000E1"/>
+              </a:gs>
+              <a:gs pos="66000">
+                <a:srgbClr val="00FF00"/>
+              </a:gs>
+              <a:gs pos="100000">
+                <a:srgbClr val="FF0000"/>
+              </a:gs>
+            </a:gsLst>
+            <a:lin ang="5400000" scaled="1"/>
+          </a:gradFill>
+          <a:ln w="6350">
+            <a:noFill/>
+          </a:ln>
+        </p:spPr>
+        <p:style>
+          <a:lnRef idx="2">
+            <a:schemeClr val="accent1">
+              <a:shade val="50000"/>
+            </a:schemeClr>
+          </a:lnRef>
+          <a:fillRef idx="1">
+            <a:schemeClr val="accent1"/>
+          </a:fillRef>
+          <a:effectRef idx="0">
+            <a:schemeClr val="accent1"/>
+          </a:effectRef>
+          <a:fontRef idx="minor">
+            <a:schemeClr val="lt1"/>
+          </a:fontRef>
+        </p:style>
+        <p:txBody>
+          <a:bodyPr rtlCol="0" anchor="ctr"/>
+          <a:lstStyle/>
+          <a:p>
+            <a:endParaRPr lang="ko-KR" altLang="en-US" sz="800" dirty="0">
+              <a:solidFill>
+                <a:schemeClr val="tx1"/>
+              </a:solidFill>
+            </a:endParaRPr>
+          </a:p>
+        </p:txBody>
+      </p:sp>
+      <p:sp>
+        <p:nvSpPr>
+          <p:cNvPr id="87" name="직사각형 86">
+            <a:extLst>
+              <a:ext uri="{FF2B5EF4-FFF2-40B4-BE49-F238E27FC236}">
+                <a16:creationId xmlns:a16="http://schemas.microsoft.com/office/drawing/2014/main" id="{61525ABC-9B6B-4B6B-8850-CDDB4D9840AC}"/>
+              </a:ext>
+            </a:extLst>
+          </p:cNvPr>
+          <p:cNvSpPr/>
+          <p:nvPr/>
+        </p:nvSpPr>
+        <p:spPr>
+          <a:xfrm>
+            <a:off x="4608000" y="1620450"/>
+            <a:ext cx="36000" cy="1620000"/>
+          </a:xfrm>
+          <a:prstGeom prst="rect">
+            <a:avLst/>
+          </a:prstGeom>
+          <a:gradFill flip="none" rotWithShape="1">
+            <a:gsLst>
+              <a:gs pos="0">
+                <a:srgbClr val="FF0000"/>
+              </a:gs>
+              <a:gs pos="100000">
+                <a:schemeClr val="tx1"/>
+              </a:gs>
+            </a:gsLst>
+            <a:lin ang="8100000" scaled="0"/>
+            <a:tileRect/>
+          </a:gradFill>
+          <a:ln w="6350">
+            <a:noFill/>
+          </a:ln>
+        </p:spPr>
+        <p:style>
+          <a:lnRef idx="2">
+            <a:schemeClr val="accent1">
+              <a:shade val="50000"/>
+            </a:schemeClr>
+          </a:lnRef>
+          <a:fillRef idx="1">
+            <a:schemeClr val="accent1"/>
+          </a:fillRef>
+          <a:effectRef idx="0">
+            <a:schemeClr val="accent1"/>
+          </a:effectRef>
+          <a:fontRef idx="minor">
+            <a:schemeClr val="lt1"/>
+          </a:fontRef>
+        </p:style>
+        <p:txBody>
+          <a:bodyPr rtlCol="0" anchor="ctr"/>
+          <a:lstStyle/>
+          <a:p>
+            <a:endParaRPr lang="ko-KR" altLang="en-US" sz="800" dirty="0">
+              <a:solidFill>
+                <a:schemeClr val="tx1"/>
+              </a:solidFill>
+            </a:endParaRPr>
+          </a:p>
+        </p:txBody>
+      </p:sp>
+      <p:sp>
+        <p:nvSpPr>
+          <p:cNvPr id="88" name="직사각형 87">
+            <a:extLst>
+              <a:ext uri="{FF2B5EF4-FFF2-40B4-BE49-F238E27FC236}">
+                <a16:creationId xmlns:a16="http://schemas.microsoft.com/office/drawing/2014/main" id="{61525ABC-9B6B-4B6B-8850-CDDB4D9840AC}"/>
+              </a:ext>
+            </a:extLst>
+          </p:cNvPr>
+          <p:cNvSpPr/>
+          <p:nvPr/>
+        </p:nvSpPr>
+        <p:spPr>
+          <a:xfrm>
+            <a:off x="2124000" y="1620000"/>
+            <a:ext cx="36000" cy="1620000"/>
+          </a:xfrm>
+          <a:prstGeom prst="rect">
+            <a:avLst/>
+          </a:prstGeom>
+          <a:gradFill flip="none" rotWithShape="1">
+            <a:gsLst>
+              <a:gs pos="0">
+                <a:schemeClr val="bg1"/>
+              </a:gs>
+              <a:gs pos="100000">
+                <a:schemeClr val="tx1"/>
+              </a:gs>
+            </a:gsLst>
+            <a:lin ang="8100000" scaled="0"/>
+            <a:tileRect/>
+          </a:gradFill>
+          <a:ln w="6350">
+            <a:noFill/>
+          </a:ln>
+        </p:spPr>
+        <p:style>
+          <a:lnRef idx="2">
+            <a:schemeClr val="accent1">
+              <a:shade val="50000"/>
+            </a:schemeClr>
+          </a:lnRef>
+          <a:fillRef idx="1">
+            <a:schemeClr val="accent1"/>
+          </a:fillRef>
+          <a:effectRef idx="0">
+            <a:schemeClr val="accent1"/>
+          </a:effectRef>
+          <a:fontRef idx="minor">
+            <a:schemeClr val="lt1"/>
+          </a:fontRef>
+        </p:style>
+        <p:txBody>
+          <a:bodyPr rtlCol="0" anchor="ctr"/>
+          <a:lstStyle/>
+          <a:p>
+            <a:endParaRPr lang="ko-KR" altLang="en-US" sz="800" dirty="0">
+              <a:solidFill>
+                <a:schemeClr val="tx1"/>
+              </a:solidFill>
+            </a:endParaRPr>
+          </a:p>
+        </p:txBody>
+      </p:sp>
+      <p:sp>
+        <p:nvSpPr>
+          <p:cNvPr id="89" name="직사각형 88">
+            <a:extLst>
+              <a:ext uri="{FF2B5EF4-FFF2-40B4-BE49-F238E27FC236}">
+                <a16:creationId xmlns:a16="http://schemas.microsoft.com/office/drawing/2014/main" id="{61525ABC-9B6B-4B6B-8850-CDDB4D9840AC}"/>
+              </a:ext>
+            </a:extLst>
+          </p:cNvPr>
+          <p:cNvSpPr/>
+          <p:nvPr/>
+        </p:nvSpPr>
+        <p:spPr>
+          <a:xfrm>
+            <a:off x="2123999" y="3204001"/>
+            <a:ext cx="2520000" cy="36000"/>
+          </a:xfrm>
+          <a:prstGeom prst="rect">
+            <a:avLst/>
+          </a:prstGeom>
+          <a:gradFill flip="none" rotWithShape="1">
+            <a:gsLst>
+              <a:gs pos="0">
+                <a:schemeClr val="tx1"/>
+              </a:gs>
+              <a:gs pos="100000">
+                <a:schemeClr val="tx1"/>
+              </a:gs>
+            </a:gsLst>
+            <a:lin ang="8100000" scaled="0"/>
+            <a:tileRect/>
+          </a:gradFill>
+          <a:ln w="6350">
+            <a:noFill/>
+          </a:ln>
+        </p:spPr>
+        <p:style>
+          <a:lnRef idx="2">
+            <a:schemeClr val="accent1">
+              <a:shade val="50000"/>
+            </a:schemeClr>
+          </a:lnRef>
+          <a:fillRef idx="1">
+            <a:schemeClr val="accent1"/>
+          </a:fillRef>
+          <a:effectRef idx="0">
+            <a:schemeClr val="accent1"/>
+          </a:effectRef>
+          <a:fontRef idx="minor">
+            <a:schemeClr val="lt1"/>
+          </a:fontRef>
+        </p:style>
+        <p:txBody>
+          <a:bodyPr rtlCol="0" anchor="ctr"/>
+          <a:lstStyle/>
+          <a:p>
+            <a:endParaRPr lang="ko-KR" altLang="en-US" sz="800" dirty="0">
+              <a:solidFill>
+                <a:schemeClr val="tx1"/>
+              </a:solidFill>
+            </a:endParaRPr>
+          </a:p>
+        </p:txBody>
+      </p:sp>
+      <p:cxnSp>
+        <p:nvCxnSpPr>
+          <p:cNvPr id="90" name="직선 연결선 89">
+            <a:extLst>
+              <a:ext uri="{FF2B5EF4-FFF2-40B4-BE49-F238E27FC236}">
+                <a16:creationId xmlns:a16="http://schemas.microsoft.com/office/drawing/2014/main" id="{0E013C81-1BF4-4288-8909-4AB87CD10C9D}"/>
+              </a:ext>
+            </a:extLst>
+          </p:cNvPr>
+          <p:cNvCxnSpPr>
+            <a:cxnSpLocks/>
+          </p:cNvCxnSpPr>
+          <p:nvPr/>
+        </p:nvCxnSpPr>
+        <p:spPr>
+          <a:xfrm flipV="1">
+            <a:off x="5148000" y="952815"/>
+            <a:ext cx="0" cy="5803584"/>
+          </a:xfrm>
+          <a:prstGeom prst="line">
+            <a:avLst/>
+          </a:prstGeom>
+          <a:ln>
+            <a:solidFill>
+              <a:srgbClr val="FF0000"/>
+            </a:solidFill>
+          </a:ln>
+        </p:spPr>
+        <p:style>
+          <a:lnRef idx="1">
+            <a:schemeClr val="accent1"/>
+          </a:lnRef>
+          <a:fillRef idx="0">
+            <a:schemeClr val="accent1"/>
+          </a:fillRef>
+          <a:effectRef idx="0">
+            <a:schemeClr val="accent1"/>
+          </a:effectRef>
+          <a:fontRef idx="minor">
+            <a:schemeClr val="tx1"/>
+          </a:fontRef>
+        </p:style>
+      </p:cxnSp>
+      <p:sp>
+        <p:nvSpPr>
+          <p:cNvPr id="91" name="직사각형 90">
+            <a:extLst>
+              <a:ext uri="{FF2B5EF4-FFF2-40B4-BE49-F238E27FC236}">
+                <a16:creationId xmlns:a16="http://schemas.microsoft.com/office/drawing/2014/main" id="{61525ABC-9B6B-4B6B-8850-CDDB4D9840AC}"/>
+              </a:ext>
+            </a:extLst>
+          </p:cNvPr>
+          <p:cNvSpPr/>
+          <p:nvPr/>
+        </p:nvSpPr>
+        <p:spPr>
+          <a:xfrm rot="-5400000">
+            <a:off x="3747771" y="2828456"/>
+            <a:ext cx="108000" cy="1440000"/>
+          </a:xfrm>
+          <a:prstGeom prst="rect">
+            <a:avLst/>
+          </a:prstGeom>
+          <a:gradFill>
+            <a:gsLst>
+              <a:gs pos="100000">
+                <a:srgbClr val="00BFFF"/>
+              </a:gs>
+              <a:gs pos="0">
+                <a:srgbClr val="00BFFF">
+                  <a:alpha val="0"/>
+                </a:srgbClr>
+              </a:gs>
+            </a:gsLst>
+            <a:lin ang="5400000" scaled="1"/>
+          </a:gradFill>
+          <a:ln w="6350">
+            <a:noFill/>
+          </a:ln>
+        </p:spPr>
+        <p:style>
+          <a:lnRef idx="2">
+            <a:schemeClr val="accent1">
+              <a:shade val="50000"/>
+            </a:schemeClr>
+          </a:lnRef>
+          <a:fillRef idx="1">
+            <a:schemeClr val="accent1"/>
+          </a:fillRef>
+          <a:effectRef idx="0">
+            <a:schemeClr val="accent1"/>
+          </a:effectRef>
+          <a:fontRef idx="minor">
+            <a:schemeClr val="lt1"/>
+          </a:fontRef>
+        </p:style>
+        <p:txBody>
+          <a:bodyPr rtlCol="0" anchor="ctr"/>
+          <a:lstStyle/>
+          <a:p>
+            <a:endParaRPr lang="ko-KR" altLang="en-US" sz="800" dirty="0">
+              <a:solidFill>
+                <a:schemeClr val="tx1"/>
+              </a:solidFill>
+            </a:endParaRPr>
+          </a:p>
+        </p:txBody>
+      </p:sp>
+      <p:sp>
+        <p:nvSpPr>
+          <p:cNvPr id="92" name="직사각형 91">
+            <a:extLst>
+              <a:ext uri="{FF2B5EF4-FFF2-40B4-BE49-F238E27FC236}">
+                <a16:creationId xmlns:a16="http://schemas.microsoft.com/office/drawing/2014/main" id="{61525ABC-9B6B-4B6B-8850-CDDB4D9840AC}"/>
+              </a:ext>
+            </a:extLst>
+          </p:cNvPr>
+          <p:cNvSpPr/>
+          <p:nvPr/>
+        </p:nvSpPr>
+        <p:spPr>
+          <a:xfrm>
+            <a:off x="2016000" y="1151997"/>
+            <a:ext cx="6264000" cy="5184001"/>
+          </a:xfrm>
+          <a:prstGeom prst="rect">
+            <a:avLst/>
+          </a:prstGeom>
+          <a:noFill/>
+          <a:ln w="6350"/>
+        </p:spPr>
+        <p:style>
+          <a:lnRef idx="2">
+            <a:schemeClr val="accent1">
+              <a:shade val="50000"/>
+            </a:schemeClr>
+          </a:lnRef>
+          <a:fillRef idx="1">
+            <a:schemeClr val="accent1"/>
+          </a:fillRef>
+          <a:effectRef idx="0">
+            <a:schemeClr val="accent1"/>
+          </a:effectRef>
+          <a:fontRef idx="minor">
+            <a:schemeClr val="lt1"/>
+          </a:fontRef>
+        </p:style>
+        <p:txBody>
+          <a:bodyPr rtlCol="0" anchor="ctr"/>
+          <a:lstStyle/>
+          <a:p>
+            <a:pPr algn="ctr"/>
+            <a:endParaRPr lang="ko-KR" altLang="en-US"/>
+          </a:p>
+        </p:txBody>
+      </p:sp>
+      <p:pic>
+        <p:nvPicPr>
+          <p:cNvPr id="6" name="그림 5"/>
+          <p:cNvPicPr>
+            <a:picLocks noChangeAspect="1"/>
+          </p:cNvPicPr>
+          <p:nvPr/>
+        </p:nvPicPr>
+        <p:blipFill>
+          <a:blip r:embed="rId3">
+            <a:extLst>
+              <a:ext uri="{28A0092B-C50C-407E-A947-70E740481C1C}">
+                <a14:useLocalDpi xmlns:a14="http://schemas.microsoft.com/office/drawing/2010/main" val="0"/>
+              </a:ext>
+            </a:extLst>
+          </a:blip>
+          <a:stretch>
+            <a:fillRect/>
+          </a:stretch>
+        </p:blipFill>
+        <p:spPr>
+          <a:xfrm>
+            <a:off x="2266796" y="3349653"/>
+            <a:ext cx="216000" cy="216000"/>
+          </a:xfrm>
+          <a:prstGeom prst="rect">
+            <a:avLst/>
+          </a:prstGeom>
+        </p:spPr>
+      </p:pic>
+      <p:sp>
+        <p:nvSpPr>
+          <p:cNvPr id="95" name="타원 94"/>
+          <p:cNvSpPr>
+            <a:spLocks noChangeAspect="1"/>
+          </p:cNvSpPr>
+          <p:nvPr/>
+        </p:nvSpPr>
+        <p:spPr>
+          <a:xfrm>
+            <a:off x="3590924" y="4517160"/>
+            <a:ext cx="216000" cy="216000"/>
+          </a:xfrm>
+          <a:prstGeom prst="ellipse">
+            <a:avLst/>
+          </a:prstGeom>
+          <a:solidFill>
+            <a:srgbClr val="FF0000"/>
+          </a:solidFill>
+          <a:ln>
+            <a:noFill/>
+          </a:ln>
+        </p:spPr>
+        <p:style>
+          <a:lnRef idx="2">
+            <a:schemeClr val="accent1">
+              <a:shade val="50000"/>
+            </a:schemeClr>
+          </a:lnRef>
+          <a:fillRef idx="1">
+            <a:schemeClr val="accent1"/>
+          </a:fillRef>
+          <a:effectRef idx="0">
+            <a:schemeClr val="accent1"/>
+          </a:effectRef>
+          <a:fontRef idx="minor">
+            <a:schemeClr val="lt1"/>
+          </a:fontRef>
+        </p:style>
+        <p:txBody>
+          <a:bodyPr rtlCol="0" anchor="ctr"/>
+          <a:lstStyle/>
+          <a:p>
+            <a:pPr algn="ctr"/>
+            <a:r>
+              <a:rPr lang="en-US" altLang="ko-KR" sz="1400" b="1" dirty="0" smtClean="0"/>
+              <a:t>1</a:t>
+            </a:r>
+            <a:endParaRPr lang="ko-KR" altLang="en-US" sz="1400" b="1" dirty="0"/>
+          </a:p>
+        </p:txBody>
+      </p:sp>
+      <p:sp>
+        <p:nvSpPr>
+          <p:cNvPr id="5" name="타원 4"/>
+          <p:cNvSpPr>
+            <a:spLocks noChangeAspect="1"/>
+          </p:cNvSpPr>
+          <p:nvPr/>
+        </p:nvSpPr>
+        <p:spPr>
+          <a:xfrm>
+            <a:off x="2087578" y="2836534"/>
+            <a:ext cx="108000" cy="108000"/>
+          </a:xfrm>
+          <a:prstGeom prst="ellipse">
+            <a:avLst/>
+          </a:prstGeom>
+          <a:noFill/>
+          <a:ln w="3175">
+            <a:solidFill>
+              <a:schemeClr val="bg1"/>
+            </a:solidFill>
+          </a:ln>
+        </p:spPr>
+        <p:style>
+          <a:lnRef idx="2">
+            <a:schemeClr val="accent1">
+              <a:shade val="50000"/>
+            </a:schemeClr>
+          </a:lnRef>
+          <a:fillRef idx="1">
+            <a:schemeClr val="accent1"/>
+          </a:fillRef>
+          <a:effectRef idx="0">
+            <a:schemeClr val="accent1"/>
+          </a:effectRef>
+          <a:fontRef idx="minor">
+            <a:schemeClr val="lt1"/>
+          </a:fontRef>
+        </p:style>
+        <p:txBody>
+          <a:bodyPr rtlCol="0" anchor="ctr"/>
+          <a:lstStyle/>
+          <a:p>
+            <a:pPr algn="ctr"/>
+            <a:endParaRPr lang="ko-KR" altLang="en-US"/>
           </a:p>
         </p:txBody>
       </p:sp>
     </p:spTree>
     <p:extLst>
       <p:ext uri="{BB962C8B-B14F-4D97-AF65-F5344CB8AC3E}">
-        <p14:creationId xmlns:p14="http://schemas.microsoft.com/office/powerpoint/2010/main" val="11912402"/>
+        <p14:creationId xmlns:p14="http://schemas.microsoft.com/office/powerpoint/2010/main" val="1636171073"/>
       </p:ext>
     </p:extLst>
   </p:cSld>
@@ -11699,6 +13698,1809 @@
       </p:grpSpPr>
       <p:sp>
         <p:nvSpPr>
+          <p:cNvPr id="19" name="TextBox 18">
+            <a:extLst>
+              <a:ext uri="{FF2B5EF4-FFF2-40B4-BE49-F238E27FC236}">
+                <a16:creationId xmlns:a16="http://schemas.microsoft.com/office/drawing/2014/main" id="{30462830-B6D7-48CE-9E57-C69E4F2E5D32}"/>
+              </a:ext>
+            </a:extLst>
+          </p:cNvPr>
+          <p:cNvSpPr txBox="1"/>
+          <p:nvPr/>
+        </p:nvSpPr>
+        <p:spPr>
+          <a:xfrm>
+            <a:off x="358045" y="6335999"/>
+            <a:ext cx="7919994" cy="288000"/>
+          </a:xfrm>
+          <a:prstGeom prst="rect">
+            <a:avLst/>
+          </a:prstGeom>
+          <a:solidFill>
+            <a:schemeClr val="bg1">
+              <a:lumMod val="85000"/>
+            </a:schemeClr>
+          </a:solidFill>
+        </p:spPr>
+        <p:txBody>
+          <a:bodyPr wrap="square">
+            <a:spAutoFit/>
+          </a:bodyPr>
+          <a:lstStyle/>
+          <a:p>
+            <a:pPr algn="ctr"/>
+            <a:r>
+              <a:rPr lang="en-US" altLang="ko-KR" sz="1200" b="0" i="0" dirty="0">
+                <a:effectLst/>
+                <a:latin typeface="+mn-ea"/>
+              </a:rPr>
+              <a:t>© 2021 by </a:t>
+            </a:r>
+            <a:r>
+              <a:rPr lang="ko-KR" altLang="en-US" sz="1200" b="0" i="0" dirty="0">
+                <a:effectLst/>
+                <a:latin typeface="+mn-ea"/>
+              </a:rPr>
+              <a:t>김진규</a:t>
+            </a:r>
+            <a:r>
+              <a:rPr lang="en-US" altLang="ko-KR" sz="1200" b="0" i="0" dirty="0">
+                <a:effectLst/>
+                <a:latin typeface="+mn-ea"/>
+              </a:rPr>
+              <a:t>. All right reserved.</a:t>
+            </a:r>
+            <a:endParaRPr lang="ko-KR" altLang="en-US" sz="1200" dirty="0">
+              <a:latin typeface="+mn-ea"/>
+            </a:endParaRPr>
+          </a:p>
+        </p:txBody>
+      </p:sp>
+      <p:sp>
+        <p:nvSpPr>
+          <p:cNvPr id="18" name="직사각형 17">
+            <a:extLst>
+              <a:ext uri="{FF2B5EF4-FFF2-40B4-BE49-F238E27FC236}">
+                <a16:creationId xmlns:a16="http://schemas.microsoft.com/office/drawing/2014/main" id="{9335567E-0565-44F2-B2B4-3303A5AD7EE2}"/>
+              </a:ext>
+            </a:extLst>
+          </p:cNvPr>
+          <p:cNvSpPr/>
+          <p:nvPr/>
+        </p:nvSpPr>
+        <p:spPr>
+          <a:xfrm>
+            <a:off x="-1" y="-1"/>
+            <a:ext cx="8640145" cy="431999"/>
+          </a:xfrm>
+          <a:prstGeom prst="rect">
+            <a:avLst/>
+          </a:prstGeom>
+          <a:noFill/>
+          <a:ln>
+            <a:noFill/>
+          </a:ln>
+        </p:spPr>
+        <p:style>
+          <a:lnRef idx="2">
+            <a:schemeClr val="accent1">
+              <a:shade val="50000"/>
+            </a:schemeClr>
+          </a:lnRef>
+          <a:fillRef idx="1">
+            <a:schemeClr val="accent1"/>
+          </a:fillRef>
+          <a:effectRef idx="0">
+            <a:schemeClr val="accent1"/>
+          </a:effectRef>
+          <a:fontRef idx="minor">
+            <a:schemeClr val="lt1"/>
+          </a:fontRef>
+        </p:style>
+        <p:txBody>
+          <a:bodyPr wrap="square" rtlCol="0" anchor="ctr">
+            <a:noAutofit/>
+          </a:bodyPr>
+          <a:lstStyle/>
+          <a:p>
+            <a:r>
+              <a:rPr lang="ko-KR" altLang="en-US" dirty="0" smtClean="0">
+                <a:solidFill>
+                  <a:schemeClr val="tx1"/>
+                </a:solidFill>
+              </a:rPr>
+              <a:t>툴</a:t>
+            </a:r>
+            <a:endParaRPr lang="ko-KR" altLang="en-US" dirty="0">
+              <a:solidFill>
+                <a:schemeClr val="tx1"/>
+              </a:solidFill>
+            </a:endParaRPr>
+          </a:p>
+        </p:txBody>
+      </p:sp>
+      <p:sp>
+        <p:nvSpPr>
+          <p:cNvPr id="7" name="직사각형 6">
+            <a:extLst>
+              <a:ext uri="{FF2B5EF4-FFF2-40B4-BE49-F238E27FC236}">
+                <a16:creationId xmlns:a16="http://schemas.microsoft.com/office/drawing/2014/main" id="{22289C0D-A626-4105-86C9-EAE1AE21590D}"/>
+              </a:ext>
+            </a:extLst>
+          </p:cNvPr>
+          <p:cNvSpPr/>
+          <p:nvPr/>
+        </p:nvSpPr>
+        <p:spPr>
+          <a:xfrm>
+            <a:off x="360000" y="576000"/>
+            <a:ext cx="7920000" cy="576000"/>
+          </a:xfrm>
+          <a:prstGeom prst="rect">
+            <a:avLst/>
+          </a:prstGeom>
+          <a:noFill/>
+          <a:ln w="6350">
+            <a:solidFill>
+              <a:schemeClr val="accent1"/>
+            </a:solidFill>
+          </a:ln>
+        </p:spPr>
+        <p:style>
+          <a:lnRef idx="2">
+            <a:schemeClr val="accent1">
+              <a:shade val="50000"/>
+            </a:schemeClr>
+          </a:lnRef>
+          <a:fillRef idx="1">
+            <a:schemeClr val="accent1"/>
+          </a:fillRef>
+          <a:effectRef idx="0">
+            <a:schemeClr val="accent1"/>
+          </a:effectRef>
+          <a:fontRef idx="minor">
+            <a:schemeClr val="lt1"/>
+          </a:fontRef>
+        </p:style>
+        <p:txBody>
+          <a:bodyPr rtlCol="0" anchor="ctr"/>
+          <a:lstStyle/>
+          <a:p>
+            <a:r>
+              <a:rPr lang="en-US" altLang="ko-KR" dirty="0" smtClean="0">
+                <a:solidFill>
+                  <a:schemeClr val="tx1"/>
+                </a:solidFill>
+              </a:rPr>
+              <a:t>  </a:t>
+            </a:r>
+            <a:r>
+              <a:rPr lang="ko-KR" altLang="en-US" dirty="0" smtClean="0">
+                <a:solidFill>
+                  <a:schemeClr val="tx1"/>
+                </a:solidFill>
+              </a:rPr>
+              <a:t>김진규블로그</a:t>
+            </a:r>
+            <a:r>
+              <a:rPr lang="en-US" altLang="ko-KR" dirty="0" smtClean="0">
+                <a:solidFill>
+                  <a:schemeClr val="tx1"/>
+                </a:solidFill>
+              </a:rPr>
+              <a:t>	About </a:t>
+            </a:r>
+            <a:r>
+              <a:rPr lang="en-US" altLang="ko-KR" dirty="0">
+                <a:solidFill>
+                  <a:schemeClr val="tx1"/>
+                </a:solidFill>
+              </a:rPr>
+              <a:t>| Blog | </a:t>
+            </a:r>
+            <a:r>
+              <a:rPr lang="en-US" altLang="ko-KR" dirty="0" smtClean="0">
+                <a:solidFill>
+                  <a:schemeClr val="tx1"/>
+                </a:solidFill>
+              </a:rPr>
+              <a:t>Portfolio</a:t>
+            </a:r>
+            <a:r>
+              <a:rPr lang="ko-KR" altLang="en-US" dirty="0" smtClean="0">
+                <a:solidFill>
+                  <a:schemeClr val="tx1"/>
+                </a:solidFill>
+              </a:rPr>
+              <a:t> </a:t>
+            </a:r>
+            <a:r>
+              <a:rPr lang="en-US" altLang="ko-KR" dirty="0" smtClean="0">
+                <a:solidFill>
+                  <a:schemeClr val="tx1"/>
+                </a:solidFill>
+              </a:rPr>
+              <a:t>| </a:t>
+            </a:r>
+            <a:r>
+              <a:rPr lang="en-US" altLang="ko-KR" b="1" dirty="0" smtClean="0">
+                <a:solidFill>
+                  <a:schemeClr val="tx1"/>
+                </a:solidFill>
+              </a:rPr>
+              <a:t>Tools</a:t>
+            </a:r>
+            <a:endParaRPr lang="ko-KR" altLang="en-US" b="1" dirty="0">
+              <a:solidFill>
+                <a:schemeClr val="tx1"/>
+              </a:solidFill>
+            </a:endParaRPr>
+          </a:p>
+        </p:txBody>
+      </p:sp>
+      <p:sp>
+        <p:nvSpPr>
+          <p:cNvPr id="9" name="직사각형 8">
+            <a:extLst>
+              <a:ext uri="{FF2B5EF4-FFF2-40B4-BE49-F238E27FC236}">
+                <a16:creationId xmlns:a16="http://schemas.microsoft.com/office/drawing/2014/main" id="{61525ABC-9B6B-4B6B-8850-CDDB4D9840AC}"/>
+              </a:ext>
+            </a:extLst>
+          </p:cNvPr>
+          <p:cNvSpPr/>
+          <p:nvPr/>
+        </p:nvSpPr>
+        <p:spPr>
+          <a:xfrm>
+            <a:off x="359999" y="576000"/>
+            <a:ext cx="7920000" cy="6048000"/>
+          </a:xfrm>
+          <a:prstGeom prst="rect">
+            <a:avLst/>
+          </a:prstGeom>
+          <a:noFill/>
+          <a:ln w="6350"/>
+        </p:spPr>
+        <p:style>
+          <a:lnRef idx="2">
+            <a:schemeClr val="accent1">
+              <a:shade val="50000"/>
+            </a:schemeClr>
+          </a:lnRef>
+          <a:fillRef idx="1">
+            <a:schemeClr val="accent1"/>
+          </a:fillRef>
+          <a:effectRef idx="0">
+            <a:schemeClr val="accent1"/>
+          </a:effectRef>
+          <a:fontRef idx="minor">
+            <a:schemeClr val="lt1"/>
+          </a:fontRef>
+        </p:style>
+        <p:txBody>
+          <a:bodyPr rtlCol="0" anchor="ctr"/>
+          <a:lstStyle/>
+          <a:p>
+            <a:pPr algn="ctr"/>
+            <a:endParaRPr lang="ko-KR" altLang="en-US"/>
+          </a:p>
+        </p:txBody>
+      </p:sp>
+      <p:sp>
+        <p:nvSpPr>
+          <p:cNvPr id="11" name="직사각형 10">
+            <a:extLst>
+              <a:ext uri="{FF2B5EF4-FFF2-40B4-BE49-F238E27FC236}">
+                <a16:creationId xmlns:a16="http://schemas.microsoft.com/office/drawing/2014/main" id="{1A727B77-63E0-447D-962B-82514E17279A}"/>
+              </a:ext>
+            </a:extLst>
+          </p:cNvPr>
+          <p:cNvSpPr/>
+          <p:nvPr/>
+        </p:nvSpPr>
+        <p:spPr>
+          <a:xfrm>
+            <a:off x="7093887" y="740019"/>
+            <a:ext cx="395371" cy="291315"/>
+          </a:xfrm>
+          <a:prstGeom prst="rect">
+            <a:avLst/>
+          </a:prstGeom>
+          <a:noFill/>
+        </p:spPr>
+        <p:style>
+          <a:lnRef idx="2">
+            <a:schemeClr val="accent1">
+              <a:shade val="50000"/>
+            </a:schemeClr>
+          </a:lnRef>
+          <a:fillRef idx="1">
+            <a:schemeClr val="accent1"/>
+          </a:fillRef>
+          <a:effectRef idx="0">
+            <a:schemeClr val="accent1"/>
+          </a:effectRef>
+          <a:fontRef idx="minor">
+            <a:schemeClr val="lt1"/>
+          </a:fontRef>
+        </p:style>
+        <p:txBody>
+          <a:bodyPr rtlCol="0" anchor="ctr"/>
+          <a:lstStyle/>
+          <a:p>
+            <a:pPr algn="ctr"/>
+            <a:r>
+              <a:rPr lang="en-US" altLang="ko-KR" sz="800" dirty="0" err="1">
+                <a:solidFill>
+                  <a:schemeClr val="tx1"/>
+                </a:solidFill>
+              </a:rPr>
+              <a:t>Github</a:t>
+            </a:r>
+            <a:endParaRPr lang="ko-KR" altLang="en-US" sz="800" dirty="0">
+              <a:solidFill>
+                <a:schemeClr val="tx1"/>
+              </a:solidFill>
+            </a:endParaRPr>
+          </a:p>
+        </p:txBody>
+      </p:sp>
+      <p:sp>
+        <p:nvSpPr>
+          <p:cNvPr id="12" name="직사각형 11">
+            <a:extLst>
+              <a:ext uri="{FF2B5EF4-FFF2-40B4-BE49-F238E27FC236}">
+                <a16:creationId xmlns:a16="http://schemas.microsoft.com/office/drawing/2014/main" id="{FE723B1A-76A4-4A79-8494-48F9F0300CBC}"/>
+              </a:ext>
+            </a:extLst>
+          </p:cNvPr>
+          <p:cNvSpPr/>
+          <p:nvPr/>
+        </p:nvSpPr>
+        <p:spPr>
+          <a:xfrm>
+            <a:off x="7489258" y="740019"/>
+            <a:ext cx="395371" cy="291315"/>
+          </a:xfrm>
+          <a:prstGeom prst="rect">
+            <a:avLst/>
+          </a:prstGeom>
+          <a:noFill/>
+        </p:spPr>
+        <p:style>
+          <a:lnRef idx="2">
+            <a:schemeClr val="accent1">
+              <a:shade val="50000"/>
+            </a:schemeClr>
+          </a:lnRef>
+          <a:fillRef idx="1">
+            <a:schemeClr val="accent1"/>
+          </a:fillRef>
+          <a:effectRef idx="0">
+            <a:schemeClr val="accent1"/>
+          </a:effectRef>
+          <a:fontRef idx="minor">
+            <a:schemeClr val="lt1"/>
+          </a:fontRef>
+        </p:style>
+        <p:txBody>
+          <a:bodyPr rtlCol="0" anchor="ctr"/>
+          <a:lstStyle/>
+          <a:p>
+            <a:pPr algn="ctr"/>
+            <a:r>
+              <a:rPr lang="en-US" altLang="ko-KR" sz="800" dirty="0">
+                <a:solidFill>
+                  <a:schemeClr val="tx1"/>
+                </a:solidFill>
+              </a:rPr>
+              <a:t>Mail</a:t>
+            </a:r>
+            <a:endParaRPr lang="ko-KR" altLang="en-US" sz="800" dirty="0">
+              <a:solidFill>
+                <a:schemeClr val="tx1"/>
+              </a:solidFill>
+            </a:endParaRPr>
+          </a:p>
+        </p:txBody>
+      </p:sp>
+      <p:sp>
+        <p:nvSpPr>
+          <p:cNvPr id="20" name="직사각형 19">
+            <a:extLst>
+              <a:ext uri="{FF2B5EF4-FFF2-40B4-BE49-F238E27FC236}">
+                <a16:creationId xmlns:a16="http://schemas.microsoft.com/office/drawing/2014/main" id="{69A86696-F33F-45DC-AA8A-55A6FB565474}"/>
+              </a:ext>
+            </a:extLst>
+          </p:cNvPr>
+          <p:cNvSpPr/>
+          <p:nvPr/>
+        </p:nvSpPr>
+        <p:spPr>
+          <a:xfrm>
+            <a:off x="8640146" y="0"/>
+            <a:ext cx="3551853" cy="6858000"/>
+          </a:xfrm>
+          <a:prstGeom prst="rect">
+            <a:avLst/>
+          </a:prstGeom>
+          <a:noFill/>
+          <a:ln>
+            <a:noFill/>
+          </a:ln>
+        </p:spPr>
+        <p:style>
+          <a:lnRef idx="2">
+            <a:schemeClr val="accent1">
+              <a:shade val="50000"/>
+            </a:schemeClr>
+          </a:lnRef>
+          <a:fillRef idx="1">
+            <a:schemeClr val="accent1"/>
+          </a:fillRef>
+          <a:effectRef idx="0">
+            <a:schemeClr val="accent1"/>
+          </a:effectRef>
+          <a:fontRef idx="minor">
+            <a:schemeClr val="lt1"/>
+          </a:fontRef>
+        </p:style>
+        <p:txBody>
+          <a:bodyPr wrap="square" rtlCol="0" anchor="t">
+            <a:noAutofit/>
+          </a:bodyPr>
+          <a:lstStyle/>
+          <a:p>
+            <a:endParaRPr lang="en-US" altLang="ko-KR" sz="1200" dirty="0">
+              <a:solidFill>
+                <a:schemeClr val="tx1"/>
+              </a:solidFill>
+            </a:endParaRPr>
+          </a:p>
+          <a:p>
+            <a:r>
+              <a:rPr lang="en-US" altLang="ko-KR" sz="1200" dirty="0">
+                <a:solidFill>
+                  <a:schemeClr val="tx1"/>
+                </a:solidFill>
+              </a:rPr>
+              <a:t>Note.</a:t>
+            </a:r>
+          </a:p>
+          <a:p>
+            <a:endParaRPr lang="en-US" altLang="ko-KR" sz="1200" dirty="0">
+              <a:solidFill>
+                <a:schemeClr val="tx1"/>
+              </a:solidFill>
+            </a:endParaRPr>
+          </a:p>
+          <a:p>
+            <a:r>
+              <a:rPr lang="en-US" altLang="ko-KR" sz="1200" dirty="0" smtClean="0">
+                <a:solidFill>
+                  <a:schemeClr val="tx1"/>
+                </a:solidFill>
+              </a:rPr>
+              <a:t>- </a:t>
+            </a:r>
+            <a:endParaRPr lang="en-US" altLang="ko-KR" sz="1200" dirty="0">
+              <a:solidFill>
+                <a:schemeClr val="tx1"/>
+              </a:solidFill>
+            </a:endParaRPr>
+          </a:p>
+          <a:p>
+            <a:r>
+              <a:rPr lang="en-US" altLang="ko-KR" sz="1200" dirty="0" smtClean="0">
+                <a:solidFill>
+                  <a:schemeClr val="tx1"/>
+                </a:solidFill>
+              </a:rPr>
+              <a:t>- </a:t>
+            </a:r>
+            <a:endParaRPr lang="en-US" altLang="ko-KR" sz="1200" dirty="0">
+              <a:solidFill>
+                <a:schemeClr val="tx1"/>
+              </a:solidFill>
+            </a:endParaRPr>
+          </a:p>
+          <a:p>
+            <a:r>
+              <a:rPr lang="en-US" altLang="ko-KR" sz="1200" dirty="0">
+                <a:solidFill>
+                  <a:schemeClr val="tx1"/>
+                </a:solidFill>
+              </a:rPr>
+              <a:t>- </a:t>
+            </a:r>
+            <a:endParaRPr lang="en-US" altLang="ko-KR" sz="1200" dirty="0" smtClean="0">
+              <a:solidFill>
+                <a:schemeClr val="tx1"/>
+              </a:solidFill>
+            </a:endParaRPr>
+          </a:p>
+          <a:p>
+            <a:r>
+              <a:rPr lang="en-US" altLang="ko-KR" sz="1200" dirty="0" smtClean="0">
+                <a:solidFill>
+                  <a:schemeClr val="tx1"/>
+                </a:solidFill>
+              </a:rPr>
+              <a:t>1. </a:t>
+            </a:r>
+          </a:p>
+          <a:p>
+            <a:r>
+              <a:rPr lang="en-US" altLang="ko-KR" sz="1200" dirty="0" smtClean="0">
+                <a:solidFill>
+                  <a:schemeClr val="tx1"/>
+                </a:solidFill>
+              </a:rPr>
+              <a:t>2. </a:t>
+            </a:r>
+          </a:p>
+          <a:p>
+            <a:r>
+              <a:rPr lang="en-US" altLang="ko-KR" sz="1200" dirty="0" smtClean="0">
+                <a:solidFill>
+                  <a:schemeClr val="tx1"/>
+                </a:solidFill>
+              </a:rPr>
+              <a:t>3. </a:t>
+            </a:r>
+          </a:p>
+          <a:p>
+            <a:r>
+              <a:rPr lang="en-US" altLang="ko-KR" sz="1200" dirty="0" smtClean="0">
+                <a:solidFill>
+                  <a:schemeClr val="tx1"/>
+                </a:solidFill>
+              </a:rPr>
+              <a:t>4. </a:t>
+            </a:r>
+          </a:p>
+          <a:p>
+            <a:r>
+              <a:rPr lang="en-US" altLang="ko-KR" sz="1200" dirty="0" smtClean="0">
+                <a:solidFill>
+                  <a:schemeClr val="tx1"/>
+                </a:solidFill>
+              </a:rPr>
+              <a:t>5. </a:t>
+            </a:r>
+            <a:endParaRPr lang="en-US" altLang="ko-KR" sz="1200" dirty="0">
+              <a:solidFill>
+                <a:schemeClr val="tx1"/>
+              </a:solidFill>
+            </a:endParaRPr>
+          </a:p>
+          <a:p>
+            <a:endParaRPr lang="ko-KR" altLang="en-US" sz="1200" dirty="0">
+              <a:solidFill>
+                <a:schemeClr val="tx1"/>
+              </a:solidFill>
+            </a:endParaRPr>
+          </a:p>
+        </p:txBody>
+      </p:sp>
+      <p:cxnSp>
+        <p:nvCxnSpPr>
+          <p:cNvPr id="15" name="직선 연결선 14">
+            <a:extLst>
+              <a:ext uri="{FF2B5EF4-FFF2-40B4-BE49-F238E27FC236}">
+                <a16:creationId xmlns:a16="http://schemas.microsoft.com/office/drawing/2014/main" id="{681440D6-53A4-4F4B-B557-EBE868CFC07C}"/>
+              </a:ext>
+            </a:extLst>
+          </p:cNvPr>
+          <p:cNvCxnSpPr/>
+          <p:nvPr/>
+        </p:nvCxnSpPr>
+        <p:spPr>
+          <a:xfrm>
+            <a:off x="8640144" y="101600"/>
+            <a:ext cx="0" cy="6654799"/>
+          </a:xfrm>
+          <a:prstGeom prst="line">
+            <a:avLst/>
+          </a:prstGeom>
+          <a:ln>
+            <a:prstDash val="dash"/>
+          </a:ln>
+        </p:spPr>
+        <p:style>
+          <a:lnRef idx="1">
+            <a:schemeClr val="accent1"/>
+          </a:lnRef>
+          <a:fillRef idx="0">
+            <a:schemeClr val="accent1"/>
+          </a:fillRef>
+          <a:effectRef idx="0">
+            <a:schemeClr val="accent1"/>
+          </a:effectRef>
+          <a:fontRef idx="minor">
+            <a:schemeClr val="tx1"/>
+          </a:fontRef>
+        </p:style>
+      </p:cxnSp>
+      <p:sp>
+        <p:nvSpPr>
+          <p:cNvPr id="25" name="직사각형 24">
+            <a:extLst>
+              <a:ext uri="{FF2B5EF4-FFF2-40B4-BE49-F238E27FC236}">
+                <a16:creationId xmlns:a16="http://schemas.microsoft.com/office/drawing/2014/main" id="{4F64B351-B6DD-4B03-A701-D5F64C5ED97A}"/>
+              </a:ext>
+            </a:extLst>
+          </p:cNvPr>
+          <p:cNvSpPr/>
+          <p:nvPr/>
+        </p:nvSpPr>
+        <p:spPr>
+          <a:xfrm>
+            <a:off x="359999" y="338921"/>
+            <a:ext cx="1008000" cy="216000"/>
+          </a:xfrm>
+          <a:prstGeom prst="rect">
+            <a:avLst/>
+          </a:prstGeom>
+          <a:noFill/>
+          <a:ln>
+            <a:noFill/>
+          </a:ln>
+        </p:spPr>
+        <p:style>
+          <a:lnRef idx="2">
+            <a:schemeClr val="accent1">
+              <a:shade val="50000"/>
+            </a:schemeClr>
+          </a:lnRef>
+          <a:fillRef idx="1">
+            <a:schemeClr val="accent1"/>
+          </a:fillRef>
+          <a:effectRef idx="0">
+            <a:schemeClr val="accent1"/>
+          </a:effectRef>
+          <a:fontRef idx="minor">
+            <a:schemeClr val="lt1"/>
+          </a:fontRef>
+        </p:style>
+        <p:txBody>
+          <a:bodyPr wrap="square" rtlCol="0" anchor="ctr">
+            <a:spAutoFit/>
+          </a:bodyPr>
+          <a:lstStyle/>
+          <a:p>
+            <a:r>
+              <a:rPr lang="en-US" altLang="ko-KR" sz="1000" dirty="0">
+                <a:solidFill>
+                  <a:schemeClr val="tx1"/>
+                </a:solidFill>
+              </a:rPr>
+              <a:t>(1,1.6) 22x16.8</a:t>
+            </a:r>
+            <a:endParaRPr lang="ko-KR" altLang="en-US" sz="1000" dirty="0">
+              <a:solidFill>
+                <a:schemeClr val="tx1"/>
+              </a:solidFill>
+            </a:endParaRPr>
+          </a:p>
+        </p:txBody>
+      </p:sp>
+      <p:cxnSp>
+        <p:nvCxnSpPr>
+          <p:cNvPr id="27" name="직선 연결선 26">
+            <a:extLst>
+              <a:ext uri="{FF2B5EF4-FFF2-40B4-BE49-F238E27FC236}">
+                <a16:creationId xmlns:a16="http://schemas.microsoft.com/office/drawing/2014/main" id="{0E013C81-1BF4-4288-8909-4AB87CD10C9D}"/>
+              </a:ext>
+            </a:extLst>
+          </p:cNvPr>
+          <p:cNvCxnSpPr>
+            <a:cxnSpLocks/>
+          </p:cNvCxnSpPr>
+          <p:nvPr/>
+        </p:nvCxnSpPr>
+        <p:spPr>
+          <a:xfrm flipV="1">
+            <a:off x="359021" y="432000"/>
+            <a:ext cx="2" cy="288000"/>
+          </a:xfrm>
+          <a:prstGeom prst="line">
+            <a:avLst/>
+          </a:prstGeom>
+          <a:ln>
+            <a:solidFill>
+              <a:srgbClr val="FF0000"/>
+            </a:solidFill>
+          </a:ln>
+        </p:spPr>
+        <p:style>
+          <a:lnRef idx="1">
+            <a:schemeClr val="accent1"/>
+          </a:lnRef>
+          <a:fillRef idx="0">
+            <a:schemeClr val="accent1"/>
+          </a:fillRef>
+          <a:effectRef idx="0">
+            <a:schemeClr val="accent1"/>
+          </a:effectRef>
+          <a:fontRef idx="minor">
+            <a:schemeClr val="tx1"/>
+          </a:fontRef>
+        </p:style>
+      </p:cxnSp>
+      <p:cxnSp>
+        <p:nvCxnSpPr>
+          <p:cNvPr id="28" name="직선 연결선 27">
+            <a:extLst>
+              <a:ext uri="{FF2B5EF4-FFF2-40B4-BE49-F238E27FC236}">
+                <a16:creationId xmlns:a16="http://schemas.microsoft.com/office/drawing/2014/main" id="{8912B7CE-C940-4D3C-A903-561D99D475D2}"/>
+              </a:ext>
+            </a:extLst>
+          </p:cNvPr>
+          <p:cNvCxnSpPr>
+            <a:cxnSpLocks/>
+          </p:cNvCxnSpPr>
+          <p:nvPr/>
+        </p:nvCxnSpPr>
+        <p:spPr>
+          <a:xfrm>
+            <a:off x="216000" y="576000"/>
+            <a:ext cx="288000" cy="1"/>
+          </a:xfrm>
+          <a:prstGeom prst="line">
+            <a:avLst/>
+          </a:prstGeom>
+          <a:ln>
+            <a:solidFill>
+              <a:srgbClr val="FF0000"/>
+            </a:solidFill>
+          </a:ln>
+        </p:spPr>
+        <p:style>
+          <a:lnRef idx="1">
+            <a:schemeClr val="accent1"/>
+          </a:lnRef>
+          <a:fillRef idx="0">
+            <a:schemeClr val="accent1"/>
+          </a:fillRef>
+          <a:effectRef idx="0">
+            <a:schemeClr val="accent1"/>
+          </a:effectRef>
+          <a:fontRef idx="minor">
+            <a:schemeClr val="tx1"/>
+          </a:fontRef>
+        </p:style>
+      </p:cxnSp>
+      <p:cxnSp>
+        <p:nvCxnSpPr>
+          <p:cNvPr id="32" name="직선 연결선 31">
+            <a:extLst>
+              <a:ext uri="{FF2B5EF4-FFF2-40B4-BE49-F238E27FC236}">
+                <a16:creationId xmlns:a16="http://schemas.microsoft.com/office/drawing/2014/main" id="{328060F4-310D-4D5D-9C8B-3D93ADA97271}"/>
+              </a:ext>
+            </a:extLst>
+          </p:cNvPr>
+          <p:cNvCxnSpPr>
+            <a:cxnSpLocks/>
+          </p:cNvCxnSpPr>
+          <p:nvPr/>
+        </p:nvCxnSpPr>
+        <p:spPr>
+          <a:xfrm flipV="1">
+            <a:off x="359021" y="787533"/>
+            <a:ext cx="2" cy="432000"/>
+          </a:xfrm>
+          <a:prstGeom prst="line">
+            <a:avLst/>
+          </a:prstGeom>
+          <a:ln>
+            <a:solidFill>
+              <a:srgbClr val="FF0000"/>
+            </a:solidFill>
+          </a:ln>
+        </p:spPr>
+        <p:style>
+          <a:lnRef idx="1">
+            <a:schemeClr val="accent1"/>
+          </a:lnRef>
+          <a:fillRef idx="0">
+            <a:schemeClr val="accent1"/>
+          </a:fillRef>
+          <a:effectRef idx="0">
+            <a:schemeClr val="accent1"/>
+          </a:effectRef>
+          <a:fontRef idx="minor">
+            <a:schemeClr val="tx1"/>
+          </a:fontRef>
+        </p:style>
+      </p:cxnSp>
+      <p:cxnSp>
+        <p:nvCxnSpPr>
+          <p:cNvPr id="33" name="직선 연결선 32">
+            <a:extLst>
+              <a:ext uri="{FF2B5EF4-FFF2-40B4-BE49-F238E27FC236}">
+                <a16:creationId xmlns:a16="http://schemas.microsoft.com/office/drawing/2014/main" id="{9A3E33A8-3000-4CD9-959A-2537FF1F987A}"/>
+              </a:ext>
+            </a:extLst>
+          </p:cNvPr>
+          <p:cNvCxnSpPr>
+            <a:cxnSpLocks/>
+          </p:cNvCxnSpPr>
+          <p:nvPr/>
+        </p:nvCxnSpPr>
+        <p:spPr>
+          <a:xfrm flipV="1">
+            <a:off x="432000" y="787533"/>
+            <a:ext cx="2" cy="432000"/>
+          </a:xfrm>
+          <a:prstGeom prst="line">
+            <a:avLst/>
+          </a:prstGeom>
+          <a:ln>
+            <a:solidFill>
+              <a:srgbClr val="FF0000"/>
+            </a:solidFill>
+          </a:ln>
+        </p:spPr>
+        <p:style>
+          <a:lnRef idx="1">
+            <a:schemeClr val="accent1"/>
+          </a:lnRef>
+          <a:fillRef idx="0">
+            <a:schemeClr val="accent1"/>
+          </a:fillRef>
+          <a:effectRef idx="0">
+            <a:schemeClr val="accent1"/>
+          </a:effectRef>
+          <a:fontRef idx="minor">
+            <a:schemeClr val="tx1"/>
+          </a:fontRef>
+        </p:style>
+      </p:cxnSp>
+      <p:cxnSp>
+        <p:nvCxnSpPr>
+          <p:cNvPr id="35" name="직선 화살표 연결선 34">
+            <a:extLst>
+              <a:ext uri="{FF2B5EF4-FFF2-40B4-BE49-F238E27FC236}">
+                <a16:creationId xmlns:a16="http://schemas.microsoft.com/office/drawing/2014/main" id="{F8BB8406-BAC1-49D4-BBFF-02EA00D270BF}"/>
+              </a:ext>
+            </a:extLst>
+          </p:cNvPr>
+          <p:cNvCxnSpPr/>
+          <p:nvPr/>
+        </p:nvCxnSpPr>
+        <p:spPr>
+          <a:xfrm>
+            <a:off x="214044" y="1084631"/>
+            <a:ext cx="144001" cy="0"/>
+          </a:xfrm>
+          <a:prstGeom prst="straightConnector1">
+            <a:avLst/>
+          </a:prstGeom>
+          <a:ln>
+            <a:solidFill>
+              <a:srgbClr val="FF0000"/>
+            </a:solidFill>
+            <a:headEnd type="none"/>
+            <a:tailEnd type="triangle"/>
+          </a:ln>
+        </p:spPr>
+        <p:style>
+          <a:lnRef idx="1">
+            <a:schemeClr val="accent1"/>
+          </a:lnRef>
+          <a:fillRef idx="0">
+            <a:schemeClr val="accent1"/>
+          </a:fillRef>
+          <a:effectRef idx="0">
+            <a:schemeClr val="accent1"/>
+          </a:effectRef>
+          <a:fontRef idx="minor">
+            <a:schemeClr val="tx1"/>
+          </a:fontRef>
+        </p:style>
+      </p:cxnSp>
+      <p:cxnSp>
+        <p:nvCxnSpPr>
+          <p:cNvPr id="37" name="직선 화살표 연결선 36">
+            <a:extLst>
+              <a:ext uri="{FF2B5EF4-FFF2-40B4-BE49-F238E27FC236}">
+                <a16:creationId xmlns:a16="http://schemas.microsoft.com/office/drawing/2014/main" id="{5EAB9E6A-BEC8-4A11-9237-83411416B6BA}"/>
+              </a:ext>
+            </a:extLst>
+          </p:cNvPr>
+          <p:cNvCxnSpPr>
+            <a:cxnSpLocks/>
+          </p:cNvCxnSpPr>
+          <p:nvPr/>
+        </p:nvCxnSpPr>
+        <p:spPr>
+          <a:xfrm rot="10800000">
+            <a:off x="432000" y="1084631"/>
+            <a:ext cx="144001" cy="0"/>
+          </a:xfrm>
+          <a:prstGeom prst="straightConnector1">
+            <a:avLst/>
+          </a:prstGeom>
+          <a:ln>
+            <a:solidFill>
+              <a:srgbClr val="FF0000"/>
+            </a:solidFill>
+            <a:headEnd type="none"/>
+            <a:tailEnd type="triangle"/>
+          </a:ln>
+        </p:spPr>
+        <p:style>
+          <a:lnRef idx="1">
+            <a:schemeClr val="accent1"/>
+          </a:lnRef>
+          <a:fillRef idx="0">
+            <a:schemeClr val="accent1"/>
+          </a:fillRef>
+          <a:effectRef idx="0">
+            <a:schemeClr val="accent1"/>
+          </a:effectRef>
+          <a:fontRef idx="minor">
+            <a:schemeClr val="tx1"/>
+          </a:fontRef>
+        </p:style>
+      </p:cxnSp>
+      <p:sp>
+        <p:nvSpPr>
+          <p:cNvPr id="30" name="직사각형 29">
+            <a:extLst>
+              <a:ext uri="{FF2B5EF4-FFF2-40B4-BE49-F238E27FC236}">
+                <a16:creationId xmlns:a16="http://schemas.microsoft.com/office/drawing/2014/main" id="{4F64B351-B6DD-4B03-A701-D5F64C5ED97A}"/>
+              </a:ext>
+            </a:extLst>
+          </p:cNvPr>
+          <p:cNvSpPr/>
+          <p:nvPr/>
+        </p:nvSpPr>
+        <p:spPr>
+          <a:xfrm>
+            <a:off x="574744" y="1007997"/>
+            <a:ext cx="361401" cy="144000"/>
+          </a:xfrm>
+          <a:prstGeom prst="rect">
+            <a:avLst/>
+          </a:prstGeom>
+          <a:noFill/>
+          <a:ln>
+            <a:noFill/>
+          </a:ln>
+        </p:spPr>
+        <p:style>
+          <a:lnRef idx="2">
+            <a:schemeClr val="accent1">
+              <a:shade val="50000"/>
+            </a:schemeClr>
+          </a:lnRef>
+          <a:fillRef idx="1">
+            <a:schemeClr val="accent1"/>
+          </a:fillRef>
+          <a:effectRef idx="0">
+            <a:schemeClr val="accent1"/>
+          </a:effectRef>
+          <a:fontRef idx="minor">
+            <a:schemeClr val="lt1"/>
+          </a:fontRef>
+        </p:style>
+        <p:txBody>
+          <a:bodyPr wrap="square" rtlCol="0" anchor="ctr">
+            <a:spAutoFit/>
+          </a:bodyPr>
+          <a:lstStyle/>
+          <a:p>
+            <a:r>
+              <a:rPr lang="en-US" altLang="ko-KR" sz="1000" dirty="0" smtClean="0">
+                <a:solidFill>
+                  <a:schemeClr val="tx1"/>
+                </a:solidFill>
+              </a:rPr>
+              <a:t>0.2</a:t>
+            </a:r>
+            <a:endParaRPr lang="ko-KR" altLang="en-US" sz="1000" dirty="0">
+              <a:solidFill>
+                <a:schemeClr val="tx1"/>
+              </a:solidFill>
+            </a:endParaRPr>
+          </a:p>
+        </p:txBody>
+      </p:sp>
+      <p:cxnSp>
+        <p:nvCxnSpPr>
+          <p:cNvPr id="31" name="직선 연결선 30">
+            <a:extLst>
+              <a:ext uri="{FF2B5EF4-FFF2-40B4-BE49-F238E27FC236}">
+                <a16:creationId xmlns:a16="http://schemas.microsoft.com/office/drawing/2014/main" id="{0E013C81-1BF4-4288-8909-4AB87CD10C9D}"/>
+              </a:ext>
+            </a:extLst>
+          </p:cNvPr>
+          <p:cNvCxnSpPr>
+            <a:cxnSpLocks/>
+          </p:cNvCxnSpPr>
+          <p:nvPr/>
+        </p:nvCxnSpPr>
+        <p:spPr>
+          <a:xfrm flipV="1">
+            <a:off x="8279021" y="432000"/>
+            <a:ext cx="2" cy="288000"/>
+          </a:xfrm>
+          <a:prstGeom prst="line">
+            <a:avLst/>
+          </a:prstGeom>
+          <a:ln>
+            <a:solidFill>
+              <a:srgbClr val="FF0000"/>
+            </a:solidFill>
+          </a:ln>
+        </p:spPr>
+        <p:style>
+          <a:lnRef idx="1">
+            <a:schemeClr val="accent1"/>
+          </a:lnRef>
+          <a:fillRef idx="0">
+            <a:schemeClr val="accent1"/>
+          </a:fillRef>
+          <a:effectRef idx="0">
+            <a:schemeClr val="accent1"/>
+          </a:effectRef>
+          <a:fontRef idx="minor">
+            <a:schemeClr val="tx1"/>
+          </a:fontRef>
+        </p:style>
+      </p:cxnSp>
+      <p:cxnSp>
+        <p:nvCxnSpPr>
+          <p:cNvPr id="34" name="직선 연결선 33">
+            <a:extLst>
+              <a:ext uri="{FF2B5EF4-FFF2-40B4-BE49-F238E27FC236}">
+                <a16:creationId xmlns:a16="http://schemas.microsoft.com/office/drawing/2014/main" id="{8912B7CE-C940-4D3C-A903-561D99D475D2}"/>
+              </a:ext>
+            </a:extLst>
+          </p:cNvPr>
+          <p:cNvCxnSpPr>
+            <a:cxnSpLocks/>
+          </p:cNvCxnSpPr>
+          <p:nvPr/>
+        </p:nvCxnSpPr>
+        <p:spPr>
+          <a:xfrm>
+            <a:off x="8136000" y="576000"/>
+            <a:ext cx="288000" cy="1"/>
+          </a:xfrm>
+          <a:prstGeom prst="line">
+            <a:avLst/>
+          </a:prstGeom>
+          <a:ln>
+            <a:solidFill>
+              <a:srgbClr val="FF0000"/>
+            </a:solidFill>
+          </a:ln>
+        </p:spPr>
+        <p:style>
+          <a:lnRef idx="1">
+            <a:schemeClr val="accent1"/>
+          </a:lnRef>
+          <a:fillRef idx="0">
+            <a:schemeClr val="accent1"/>
+          </a:fillRef>
+          <a:effectRef idx="0">
+            <a:schemeClr val="accent1"/>
+          </a:effectRef>
+          <a:fontRef idx="minor">
+            <a:schemeClr val="tx1"/>
+          </a:fontRef>
+        </p:style>
+      </p:cxnSp>
+      <p:sp>
+        <p:nvSpPr>
+          <p:cNvPr id="36" name="직사각형 35">
+            <a:extLst>
+              <a:ext uri="{FF2B5EF4-FFF2-40B4-BE49-F238E27FC236}">
+                <a16:creationId xmlns:a16="http://schemas.microsoft.com/office/drawing/2014/main" id="{4F64B351-B6DD-4B03-A701-D5F64C5ED97A}"/>
+              </a:ext>
+            </a:extLst>
+          </p:cNvPr>
+          <p:cNvSpPr/>
+          <p:nvPr/>
+        </p:nvSpPr>
+        <p:spPr>
+          <a:xfrm>
+            <a:off x="8273216" y="338921"/>
+            <a:ext cx="648000" cy="246221"/>
+          </a:xfrm>
+          <a:prstGeom prst="rect">
+            <a:avLst/>
+          </a:prstGeom>
+          <a:noFill/>
+          <a:ln>
+            <a:noFill/>
+          </a:ln>
+        </p:spPr>
+        <p:style>
+          <a:lnRef idx="2">
+            <a:schemeClr val="accent1">
+              <a:shade val="50000"/>
+            </a:schemeClr>
+          </a:lnRef>
+          <a:fillRef idx="1">
+            <a:schemeClr val="accent1"/>
+          </a:fillRef>
+          <a:effectRef idx="0">
+            <a:schemeClr val="accent1"/>
+          </a:effectRef>
+          <a:fontRef idx="minor">
+            <a:schemeClr val="lt1"/>
+          </a:fontRef>
+        </p:style>
+        <p:txBody>
+          <a:bodyPr wrap="square" rtlCol="0" anchor="ctr">
+            <a:spAutoFit/>
+          </a:bodyPr>
+          <a:lstStyle/>
+          <a:p>
+            <a:r>
+              <a:rPr lang="en-US" altLang="ko-KR" sz="1000" dirty="0" smtClean="0">
+                <a:solidFill>
+                  <a:schemeClr val="tx1"/>
+                </a:solidFill>
+              </a:rPr>
+              <a:t>(23,1.6)</a:t>
+            </a:r>
+            <a:endParaRPr lang="ko-KR" altLang="en-US" sz="1000" dirty="0">
+              <a:solidFill>
+                <a:schemeClr val="tx1"/>
+              </a:solidFill>
+            </a:endParaRPr>
+          </a:p>
+        </p:txBody>
+      </p:sp>
+      <p:cxnSp>
+        <p:nvCxnSpPr>
+          <p:cNvPr id="44" name="직선 연결선 43">
+            <a:extLst>
+              <a:ext uri="{FF2B5EF4-FFF2-40B4-BE49-F238E27FC236}">
+                <a16:creationId xmlns:a16="http://schemas.microsoft.com/office/drawing/2014/main" id="{0E013C81-1BF4-4288-8909-4AB87CD10C9D}"/>
+              </a:ext>
+            </a:extLst>
+          </p:cNvPr>
+          <p:cNvCxnSpPr>
+            <a:cxnSpLocks/>
+          </p:cNvCxnSpPr>
+          <p:nvPr/>
+        </p:nvCxnSpPr>
+        <p:spPr>
+          <a:xfrm flipV="1">
+            <a:off x="8136000" y="432000"/>
+            <a:ext cx="0" cy="1334370"/>
+          </a:xfrm>
+          <a:prstGeom prst="line">
+            <a:avLst/>
+          </a:prstGeom>
+          <a:ln>
+            <a:solidFill>
+              <a:srgbClr val="FF0000"/>
+            </a:solidFill>
+          </a:ln>
+        </p:spPr>
+        <p:style>
+          <a:lnRef idx="1">
+            <a:schemeClr val="accent1"/>
+          </a:lnRef>
+          <a:fillRef idx="0">
+            <a:schemeClr val="accent1"/>
+          </a:fillRef>
+          <a:effectRef idx="0">
+            <a:schemeClr val="accent1"/>
+          </a:effectRef>
+          <a:fontRef idx="minor">
+            <a:schemeClr val="tx1"/>
+          </a:fontRef>
+        </p:style>
+      </p:cxnSp>
+      <p:sp>
+        <p:nvSpPr>
+          <p:cNvPr id="38" name="직사각형 37">
+            <a:extLst>
+              <a:ext uri="{FF2B5EF4-FFF2-40B4-BE49-F238E27FC236}">
+                <a16:creationId xmlns:a16="http://schemas.microsoft.com/office/drawing/2014/main" id="{7E3F48DE-CDF0-4CA9-9D5B-833DCF00C9C0}"/>
+              </a:ext>
+            </a:extLst>
+          </p:cNvPr>
+          <p:cNvSpPr/>
+          <p:nvPr/>
+        </p:nvSpPr>
+        <p:spPr>
+          <a:xfrm>
+            <a:off x="432000" y="1151999"/>
+            <a:ext cx="7776000" cy="5183999"/>
+          </a:xfrm>
+          <a:prstGeom prst="rect">
+            <a:avLst/>
+          </a:prstGeom>
+          <a:noFill/>
+          <a:ln>
+            <a:noFill/>
+          </a:ln>
+        </p:spPr>
+        <p:style>
+          <a:lnRef idx="2">
+            <a:schemeClr val="accent1">
+              <a:shade val="50000"/>
+            </a:schemeClr>
+          </a:lnRef>
+          <a:fillRef idx="1">
+            <a:schemeClr val="accent1"/>
+          </a:fillRef>
+          <a:effectRef idx="0">
+            <a:schemeClr val="accent1"/>
+          </a:effectRef>
+          <a:fontRef idx="minor">
+            <a:schemeClr val="lt1"/>
+          </a:fontRef>
+        </p:style>
+        <p:txBody>
+          <a:bodyPr wrap="square" rtlCol="0" anchor="t">
+            <a:noAutofit/>
+          </a:bodyPr>
+          <a:lstStyle/>
+          <a:p>
+            <a:endParaRPr lang="en-US" altLang="ko-KR" sz="1400" b="1" dirty="0" smtClean="0">
+              <a:solidFill>
+                <a:schemeClr val="tx1"/>
+              </a:solidFill>
+            </a:endParaRPr>
+          </a:p>
+          <a:p>
+            <a:endParaRPr lang="en-US" altLang="ko-KR" sz="1400" b="1" dirty="0" smtClean="0">
+              <a:solidFill>
+                <a:schemeClr val="tx1"/>
+              </a:solidFill>
+            </a:endParaRPr>
+          </a:p>
+          <a:p>
+            <a:r>
+              <a:rPr lang="en-US" altLang="ko-KR" sz="1400" b="1" dirty="0" smtClean="0">
+                <a:solidFill>
+                  <a:schemeClr val="tx1"/>
+                </a:solidFill>
+              </a:rPr>
+              <a:t>Color Converter</a:t>
+            </a:r>
+          </a:p>
+          <a:p>
+            <a:r>
+              <a:rPr lang="en-US" altLang="ko-KR" sz="1400" b="1" strike="sngStrike" dirty="0" smtClean="0">
+                <a:solidFill>
+                  <a:schemeClr val="tx1"/>
+                </a:solidFill>
+              </a:rPr>
+              <a:t>Color Picker</a:t>
+            </a:r>
+          </a:p>
+          <a:p>
+            <a:endParaRPr lang="en-US" altLang="ko-KR" sz="1400" b="1" dirty="0" smtClean="0">
+              <a:solidFill>
+                <a:schemeClr val="tx1"/>
+              </a:solidFill>
+            </a:endParaRPr>
+          </a:p>
+          <a:p>
+            <a:endParaRPr lang="en-US" altLang="ko-KR" sz="1400" b="1" strike="sngStrike" dirty="0" smtClean="0">
+              <a:solidFill>
+                <a:schemeClr val="tx1"/>
+              </a:solidFill>
+            </a:endParaRPr>
+          </a:p>
+          <a:p>
+            <a:endParaRPr lang="en-US" altLang="ko-KR" sz="1400" b="1" dirty="0" smtClean="0">
+              <a:solidFill>
+                <a:schemeClr val="tx1"/>
+              </a:solidFill>
+            </a:endParaRPr>
+          </a:p>
+          <a:p>
+            <a:r>
+              <a:rPr lang="en-US" altLang="ko-KR" sz="1400" b="1" dirty="0" err="1" smtClean="0">
+                <a:solidFill>
+                  <a:schemeClr val="tx1"/>
+                </a:solidFill>
+              </a:rPr>
+              <a:t>Json</a:t>
+            </a:r>
+            <a:r>
+              <a:rPr lang="en-US" altLang="ko-KR" sz="1400" b="1" dirty="0" smtClean="0">
+                <a:solidFill>
+                  <a:schemeClr val="tx1"/>
+                </a:solidFill>
+              </a:rPr>
+              <a:t> Beautifier</a:t>
+            </a:r>
+          </a:p>
+          <a:p>
+            <a:endParaRPr lang="en-US" altLang="ko-KR" sz="1400" b="1" dirty="0">
+              <a:solidFill>
+                <a:schemeClr val="tx1"/>
+              </a:solidFill>
+            </a:endParaRPr>
+          </a:p>
+          <a:p>
+            <a:r>
+              <a:rPr lang="en-US" altLang="ko-KR" sz="1400" b="1" dirty="0" smtClean="0">
+                <a:solidFill>
+                  <a:schemeClr val="tx1"/>
+                </a:solidFill>
+              </a:rPr>
+              <a:t>Tool</a:t>
+            </a:r>
+          </a:p>
+          <a:p>
+            <a:r>
+              <a:rPr lang="en-US" altLang="ko-KR" sz="1400" b="1" dirty="0" smtClean="0">
+                <a:solidFill>
+                  <a:schemeClr val="tx1"/>
+                </a:solidFill>
+              </a:rPr>
+              <a:t>…</a:t>
+            </a:r>
+            <a:endParaRPr lang="en-US" altLang="ko-KR" sz="1400" b="1" dirty="0">
+              <a:solidFill>
+                <a:schemeClr val="tx1"/>
+              </a:solidFill>
+            </a:endParaRPr>
+          </a:p>
+          <a:p>
+            <a:endParaRPr lang="en-US" altLang="ko-KR" sz="1400" b="1" dirty="0">
+              <a:solidFill>
+                <a:schemeClr val="tx1"/>
+              </a:solidFill>
+            </a:endParaRPr>
+          </a:p>
+        </p:txBody>
+      </p:sp>
+      <p:sp>
+        <p:nvSpPr>
+          <p:cNvPr id="40" name="직사각형 39">
+            <a:extLst>
+              <a:ext uri="{FF2B5EF4-FFF2-40B4-BE49-F238E27FC236}">
+                <a16:creationId xmlns:a16="http://schemas.microsoft.com/office/drawing/2014/main" id="{61525ABC-9B6B-4B6B-8850-CDDB4D9840AC}"/>
+              </a:ext>
+            </a:extLst>
+          </p:cNvPr>
+          <p:cNvSpPr/>
+          <p:nvPr/>
+        </p:nvSpPr>
+        <p:spPr>
+          <a:xfrm>
+            <a:off x="1872000" y="1152000"/>
+            <a:ext cx="144000" cy="5183998"/>
+          </a:xfrm>
+          <a:prstGeom prst="rect">
+            <a:avLst/>
+          </a:prstGeom>
+          <a:solidFill>
+            <a:schemeClr val="bg1"/>
+          </a:solidFill>
+          <a:ln w="6350"/>
+        </p:spPr>
+        <p:style>
+          <a:lnRef idx="2">
+            <a:schemeClr val="accent1">
+              <a:shade val="50000"/>
+            </a:schemeClr>
+          </a:lnRef>
+          <a:fillRef idx="1">
+            <a:schemeClr val="accent1"/>
+          </a:fillRef>
+          <a:effectRef idx="0">
+            <a:schemeClr val="accent1"/>
+          </a:effectRef>
+          <a:fontRef idx="minor">
+            <a:schemeClr val="lt1"/>
+          </a:fontRef>
+        </p:style>
+        <p:txBody>
+          <a:bodyPr rtlCol="0" anchor="ctr"/>
+          <a:lstStyle/>
+          <a:p>
+            <a:pPr algn="ctr"/>
+            <a:endParaRPr lang="ko-KR" altLang="en-US"/>
+          </a:p>
+        </p:txBody>
+      </p:sp>
+      <p:sp>
+        <p:nvSpPr>
+          <p:cNvPr id="41" name="직사각형 40">
+            <a:extLst>
+              <a:ext uri="{FF2B5EF4-FFF2-40B4-BE49-F238E27FC236}">
+                <a16:creationId xmlns:a16="http://schemas.microsoft.com/office/drawing/2014/main" id="{61525ABC-9B6B-4B6B-8850-CDDB4D9840AC}"/>
+              </a:ext>
+            </a:extLst>
+          </p:cNvPr>
+          <p:cNvSpPr/>
+          <p:nvPr/>
+        </p:nvSpPr>
+        <p:spPr>
+          <a:xfrm>
+            <a:off x="358045" y="1151998"/>
+            <a:ext cx="1512001" cy="288000"/>
+          </a:xfrm>
+          <a:prstGeom prst="rect">
+            <a:avLst/>
+          </a:prstGeom>
+          <a:noFill/>
+          <a:ln w="6350"/>
+        </p:spPr>
+        <p:style>
+          <a:lnRef idx="2">
+            <a:schemeClr val="accent1">
+              <a:shade val="50000"/>
+            </a:schemeClr>
+          </a:lnRef>
+          <a:fillRef idx="1">
+            <a:schemeClr val="accent1"/>
+          </a:fillRef>
+          <a:effectRef idx="0">
+            <a:schemeClr val="accent1"/>
+          </a:effectRef>
+          <a:fontRef idx="minor">
+            <a:schemeClr val="lt1"/>
+          </a:fontRef>
+        </p:style>
+        <p:txBody>
+          <a:bodyPr rtlCol="0" anchor="ctr"/>
+          <a:lstStyle/>
+          <a:p>
+            <a:r>
+              <a:rPr lang="ko-KR" altLang="en-US" sz="800" dirty="0" smtClean="0">
+                <a:solidFill>
+                  <a:schemeClr val="tx1"/>
+                </a:solidFill>
+              </a:rPr>
+              <a:t>검색어가 들어갑니다</a:t>
+            </a:r>
+            <a:endParaRPr lang="ko-KR" altLang="en-US" sz="800" dirty="0">
+              <a:solidFill>
+                <a:schemeClr val="tx1"/>
+              </a:solidFill>
+            </a:endParaRPr>
+          </a:p>
+        </p:txBody>
+      </p:sp>
+      <p:sp>
+        <p:nvSpPr>
+          <p:cNvPr id="2" name="모서리가 둥근 직사각형 1"/>
+          <p:cNvSpPr/>
+          <p:nvPr/>
+        </p:nvSpPr>
+        <p:spPr>
+          <a:xfrm>
+            <a:off x="431999" y="2260800"/>
+            <a:ext cx="1368000" cy="216000"/>
+          </a:xfrm>
+          <a:prstGeom prst="roundRect">
+            <a:avLst/>
+          </a:prstGeom>
+          <a:solidFill>
+            <a:srgbClr val="CD5554"/>
+          </a:solidFill>
+          <a:ln w="6350">
+            <a:noFill/>
+          </a:ln>
+          <a:effectLst>
+            <a:softEdge rad="0"/>
+          </a:effectLst>
+        </p:spPr>
+        <p:style>
+          <a:lnRef idx="2">
+            <a:schemeClr val="accent1">
+              <a:shade val="50000"/>
+            </a:schemeClr>
+          </a:lnRef>
+          <a:fillRef idx="1">
+            <a:schemeClr val="accent1"/>
+          </a:fillRef>
+          <a:effectRef idx="0">
+            <a:schemeClr val="accent1"/>
+          </a:effectRef>
+          <a:fontRef idx="minor">
+            <a:schemeClr val="lt1"/>
+          </a:fontRef>
+        </p:style>
+        <p:txBody>
+          <a:bodyPr rIns="0" rtlCol="0" anchor="ctr"/>
+          <a:lstStyle/>
+          <a:p>
+            <a:r>
+              <a:rPr lang="en-US" altLang="ko-KR" sz="1400" b="1" dirty="0" smtClean="0"/>
+              <a:t>Date </a:t>
+            </a:r>
+            <a:r>
+              <a:rPr lang="en-US" altLang="ko-KR" sz="1400" b="1" dirty="0" err="1" smtClean="0"/>
+              <a:t>Calculato</a:t>
+            </a:r>
+            <a:endParaRPr lang="ko-KR" altLang="en-US" sz="1400" b="1" dirty="0"/>
+          </a:p>
+        </p:txBody>
+      </p:sp>
+      <p:sp>
+        <p:nvSpPr>
+          <p:cNvPr id="73" name="직사각형 72">
+            <a:extLst>
+              <a:ext uri="{FF2B5EF4-FFF2-40B4-BE49-F238E27FC236}">
+                <a16:creationId xmlns:a16="http://schemas.microsoft.com/office/drawing/2014/main" id="{61525ABC-9B6B-4B6B-8850-CDDB4D9840AC}"/>
+              </a:ext>
+            </a:extLst>
+          </p:cNvPr>
+          <p:cNvSpPr/>
+          <p:nvPr/>
+        </p:nvSpPr>
+        <p:spPr>
+          <a:xfrm>
+            <a:off x="358045" y="1439994"/>
+            <a:ext cx="1512001" cy="216000"/>
+          </a:xfrm>
+          <a:prstGeom prst="rect">
+            <a:avLst/>
+          </a:prstGeom>
+          <a:noFill/>
+          <a:ln w="6350">
+            <a:noFill/>
+          </a:ln>
+        </p:spPr>
+        <p:style>
+          <a:lnRef idx="2">
+            <a:schemeClr val="accent1">
+              <a:shade val="50000"/>
+            </a:schemeClr>
+          </a:lnRef>
+          <a:fillRef idx="1">
+            <a:schemeClr val="accent1"/>
+          </a:fillRef>
+          <a:effectRef idx="0">
+            <a:schemeClr val="accent1"/>
+          </a:effectRef>
+          <a:fontRef idx="minor">
+            <a:schemeClr val="lt1"/>
+          </a:fontRef>
+        </p:style>
+        <p:txBody>
+          <a:bodyPr rtlCol="0" anchor="ctr"/>
+          <a:lstStyle/>
+          <a:p>
+            <a:r>
+              <a:rPr lang="en-US" altLang="ko-KR" sz="800" dirty="0" smtClean="0">
+                <a:solidFill>
+                  <a:schemeClr val="tx1"/>
+                </a:solidFill>
+              </a:rPr>
+              <a:t>Color</a:t>
+            </a:r>
+            <a:endParaRPr lang="ko-KR" altLang="en-US" sz="800" dirty="0">
+              <a:solidFill>
+                <a:schemeClr val="tx1"/>
+              </a:solidFill>
+            </a:endParaRPr>
+          </a:p>
+        </p:txBody>
+      </p:sp>
+      <p:sp>
+        <p:nvSpPr>
+          <p:cNvPr id="74" name="직사각형 73">
+            <a:extLst>
+              <a:ext uri="{FF2B5EF4-FFF2-40B4-BE49-F238E27FC236}">
+                <a16:creationId xmlns:a16="http://schemas.microsoft.com/office/drawing/2014/main" id="{61525ABC-9B6B-4B6B-8850-CDDB4D9840AC}"/>
+              </a:ext>
+            </a:extLst>
+          </p:cNvPr>
+          <p:cNvSpPr/>
+          <p:nvPr/>
+        </p:nvSpPr>
+        <p:spPr>
+          <a:xfrm>
+            <a:off x="358045" y="2480505"/>
+            <a:ext cx="1512001" cy="216000"/>
+          </a:xfrm>
+          <a:prstGeom prst="rect">
+            <a:avLst/>
+          </a:prstGeom>
+          <a:noFill/>
+          <a:ln w="6350">
+            <a:noFill/>
+          </a:ln>
+        </p:spPr>
+        <p:style>
+          <a:lnRef idx="2">
+            <a:schemeClr val="accent1">
+              <a:shade val="50000"/>
+            </a:schemeClr>
+          </a:lnRef>
+          <a:fillRef idx="1">
+            <a:schemeClr val="accent1"/>
+          </a:fillRef>
+          <a:effectRef idx="0">
+            <a:schemeClr val="accent1"/>
+          </a:effectRef>
+          <a:fontRef idx="minor">
+            <a:schemeClr val="lt1"/>
+          </a:fontRef>
+        </p:style>
+        <p:txBody>
+          <a:bodyPr rtlCol="0" anchor="ctr"/>
+          <a:lstStyle/>
+          <a:p>
+            <a:r>
+              <a:rPr lang="en-US" altLang="ko-KR" sz="800" dirty="0" smtClean="0">
+                <a:solidFill>
+                  <a:schemeClr val="tx1"/>
+                </a:solidFill>
+              </a:rPr>
+              <a:t>Beautifier</a:t>
+            </a:r>
+            <a:endParaRPr lang="ko-KR" altLang="en-US" sz="800" dirty="0">
+              <a:solidFill>
+                <a:schemeClr val="tx1"/>
+              </a:solidFill>
+            </a:endParaRPr>
+          </a:p>
+        </p:txBody>
+      </p:sp>
+      <p:sp>
+        <p:nvSpPr>
+          <p:cNvPr id="76" name="직사각형 75">
+            <a:extLst>
+              <a:ext uri="{FF2B5EF4-FFF2-40B4-BE49-F238E27FC236}">
+                <a16:creationId xmlns:a16="http://schemas.microsoft.com/office/drawing/2014/main" id="{61525ABC-9B6B-4B6B-8850-CDDB4D9840AC}"/>
+              </a:ext>
+            </a:extLst>
+          </p:cNvPr>
+          <p:cNvSpPr/>
+          <p:nvPr/>
+        </p:nvSpPr>
+        <p:spPr>
+          <a:xfrm>
+            <a:off x="358045" y="2915997"/>
+            <a:ext cx="1512001" cy="216000"/>
+          </a:xfrm>
+          <a:prstGeom prst="rect">
+            <a:avLst/>
+          </a:prstGeom>
+          <a:noFill/>
+          <a:ln w="6350">
+            <a:noFill/>
+          </a:ln>
+        </p:spPr>
+        <p:style>
+          <a:lnRef idx="2">
+            <a:schemeClr val="accent1">
+              <a:shade val="50000"/>
+            </a:schemeClr>
+          </a:lnRef>
+          <a:fillRef idx="1">
+            <a:schemeClr val="accent1"/>
+          </a:fillRef>
+          <a:effectRef idx="0">
+            <a:schemeClr val="accent1"/>
+          </a:effectRef>
+          <a:fontRef idx="minor">
+            <a:schemeClr val="lt1"/>
+          </a:fontRef>
+        </p:style>
+        <p:txBody>
+          <a:bodyPr rtlCol="0" anchor="ctr"/>
+          <a:lstStyle/>
+          <a:p>
+            <a:r>
+              <a:rPr lang="en-US" altLang="ko-KR" sz="800" dirty="0" smtClean="0">
+                <a:solidFill>
+                  <a:schemeClr val="tx1"/>
+                </a:solidFill>
+              </a:rPr>
+              <a:t>Category</a:t>
+            </a:r>
+            <a:endParaRPr lang="ko-KR" altLang="en-US" sz="800" dirty="0">
+              <a:solidFill>
+                <a:schemeClr val="tx1"/>
+              </a:solidFill>
+            </a:endParaRPr>
+          </a:p>
+        </p:txBody>
+      </p:sp>
+      <p:sp>
+        <p:nvSpPr>
+          <p:cNvPr id="77" name="직사각형 76">
+            <a:extLst>
+              <a:ext uri="{FF2B5EF4-FFF2-40B4-BE49-F238E27FC236}">
+                <a16:creationId xmlns:a16="http://schemas.microsoft.com/office/drawing/2014/main" id="{61525ABC-9B6B-4B6B-8850-CDDB4D9840AC}"/>
+              </a:ext>
+            </a:extLst>
+          </p:cNvPr>
+          <p:cNvSpPr/>
+          <p:nvPr/>
+        </p:nvSpPr>
+        <p:spPr>
+          <a:xfrm>
+            <a:off x="358045" y="2057862"/>
+            <a:ext cx="1512001" cy="216000"/>
+          </a:xfrm>
+          <a:prstGeom prst="rect">
+            <a:avLst/>
+          </a:prstGeom>
+          <a:noFill/>
+          <a:ln w="6350">
+            <a:noFill/>
+          </a:ln>
+        </p:spPr>
+        <p:style>
+          <a:lnRef idx="2">
+            <a:schemeClr val="accent1">
+              <a:shade val="50000"/>
+            </a:schemeClr>
+          </a:lnRef>
+          <a:fillRef idx="1">
+            <a:schemeClr val="accent1"/>
+          </a:fillRef>
+          <a:effectRef idx="0">
+            <a:schemeClr val="accent1"/>
+          </a:effectRef>
+          <a:fontRef idx="minor">
+            <a:schemeClr val="lt1"/>
+          </a:fontRef>
+        </p:style>
+        <p:txBody>
+          <a:bodyPr rtlCol="0" anchor="ctr"/>
+          <a:lstStyle/>
+          <a:p>
+            <a:r>
+              <a:rPr lang="en-US" altLang="ko-KR" sz="800" dirty="0" smtClean="0">
+                <a:solidFill>
+                  <a:schemeClr val="tx1"/>
+                </a:solidFill>
+              </a:rPr>
+              <a:t>Calculator</a:t>
+            </a:r>
+            <a:endParaRPr lang="ko-KR" altLang="en-US" sz="800" dirty="0">
+              <a:solidFill>
+                <a:schemeClr val="tx1"/>
+              </a:solidFill>
+            </a:endParaRPr>
+          </a:p>
+        </p:txBody>
+      </p:sp>
+    </p:spTree>
+    <p:extLst>
+      <p:ext uri="{BB962C8B-B14F-4D97-AF65-F5344CB8AC3E}">
+        <p14:creationId xmlns:p14="http://schemas.microsoft.com/office/powerpoint/2010/main" val="11912402"/>
+      </p:ext>
+    </p:extLst>
+  </p:cSld>
+  <p:clrMapOvr>
+    <a:masterClrMapping/>
+  </p:clrMapOvr>
+</p:sld>
+</file>
+
+<file path=ppt/slides/slide5.xml><?xml version="1.0" encoding="utf-8"?>
+<p:sld xmlns:a="http://schemas.openxmlformats.org/drawingml/2006/main" xmlns:r="http://schemas.openxmlformats.org/officeDocument/2006/relationships" xmlns:p="http://schemas.openxmlformats.org/presentationml/2006/main">
+  <p:cSld>
+    <p:spTree>
+      <p:nvGrpSpPr>
+        <p:cNvPr id="1" name=""/>
+        <p:cNvGrpSpPr/>
+        <p:nvPr/>
+      </p:nvGrpSpPr>
+      <p:grpSpPr>
+        <a:xfrm>
+          <a:off x="0" y="0"/>
+          <a:ext cx="0" cy="0"/>
+          <a:chOff x="0" y="0"/>
+          <a:chExt cx="0" cy="0"/>
+        </a:xfrm>
+      </p:grpSpPr>
+      <p:sp>
+        <p:nvSpPr>
           <p:cNvPr id="2" name="직사각형 1">
             <a:extLst>
               <a:ext uri="{FF2B5EF4-FFF2-40B4-BE49-F238E27FC236}">
@@ -12288,6 +16090,63 @@
               <a:t>8</a:t>
             </a:r>
             <a:endParaRPr lang="ko-KR" altLang="en-US" sz="1400" b="1" dirty="0"/>
+          </a:p>
+        </p:txBody>
+      </p:sp>
+      <p:sp>
+        <p:nvSpPr>
+          <p:cNvPr id="12" name="직사각형 11">
+            <a:extLst>
+              <a:ext uri="{FF2B5EF4-FFF2-40B4-BE49-F238E27FC236}">
+                <a16:creationId xmlns:a16="http://schemas.microsoft.com/office/drawing/2014/main" id="{61525ABC-9B6B-4B6B-8850-CDDB4D9840AC}"/>
+              </a:ext>
+            </a:extLst>
+          </p:cNvPr>
+          <p:cNvSpPr/>
+          <p:nvPr/>
+        </p:nvSpPr>
+        <p:spPr>
+          <a:xfrm>
+            <a:off x="2123998" y="1248638"/>
+            <a:ext cx="3657677" cy="4656862"/>
+          </a:xfrm>
+          <a:prstGeom prst="rect">
+            <a:avLst/>
+          </a:prstGeom>
+          <a:solidFill>
+            <a:schemeClr val="bg1">
+              <a:lumMod val="95000"/>
+            </a:schemeClr>
+          </a:solidFill>
+          <a:ln w="6350">
+            <a:noFill/>
+          </a:ln>
+        </p:spPr>
+        <p:style>
+          <a:lnRef idx="2">
+            <a:schemeClr val="accent1">
+              <a:shade val="50000"/>
+            </a:schemeClr>
+          </a:lnRef>
+          <a:fillRef idx="1">
+            <a:schemeClr val="accent1"/>
+          </a:fillRef>
+          <a:effectRef idx="0">
+            <a:schemeClr val="accent1"/>
+          </a:effectRef>
+          <a:fontRef idx="minor">
+            <a:schemeClr val="lt1"/>
+          </a:fontRef>
+        </p:style>
+        <p:txBody>
+          <a:bodyPr rtlCol="0" anchor="ctr"/>
+          <a:lstStyle/>
+          <a:p>
+            <a:endParaRPr lang="ko-KR" altLang="en-US" sz="800" dirty="0">
+              <a:solidFill>
+                <a:schemeClr val="tx1"/>
+              </a:solidFill>
+            </a:endParaRPr>
           </a:p>
         </p:txBody>
       </p:sp>
